--- a/Reading Assignments/02/Reading-02-Boyang Xiao.pptx
+++ b/Reading Assignments/02/Reading-02-Boyang Xiao.pptx
@@ -8,6 +8,12 @@
     <p:sldId id="256" r:id="rId2"/>
     <p:sldId id="257" r:id="rId3"/>
     <p:sldId id="258" r:id="rId4"/>
+    <p:sldId id="259" r:id="rId5"/>
+    <p:sldId id="260" r:id="rId6"/>
+    <p:sldId id="261" r:id="rId7"/>
+    <p:sldId id="262" r:id="rId8"/>
+    <p:sldId id="263" r:id="rId9"/>
+    <p:sldId id="264" r:id="rId10"/>
   </p:sldIdLst>
   <p:sldSz cx="12192000" cy="6858000"/>
   <p:notesSz cx="6858000" cy="9144000"/>
@@ -106,6 +112,11 @@
       </a:defRPr>
     </a:lvl9pPr>
   </p:defaultTextStyle>
+  <p:extLst>
+    <p:ext uri="{EFAFB233-063F-42B5-8137-9DF3F51BA10A}">
+      <p15:sldGuideLst xmlns:p15="http://schemas.microsoft.com/office/powerpoint/2012/main"/>
+    </p:ext>
+  </p:extLst>
 </p:presentation>
 </file>
 
@@ -3513,13 +3524,13 @@
           <a:p>
             <a:r>
               <a:rPr lang="en-US" altLang="zh-CN" dirty="0"/>
-              <a:t>System model and evaluations w/o Random loss</a:t>
+              <a:t>System model and evolution w/o Random loss</a:t>
             </a:r>
           </a:p>
           <a:p>
             <a:r>
               <a:rPr lang="en-US" altLang="zh-CN" dirty="0"/>
-              <a:t>Evaluations w/ random loss</a:t>
+              <a:t>Evolution w/ random loss</a:t>
             </a:r>
           </a:p>
           <a:p>
@@ -3585,39 +3596,56 @@
         </p:nvSpPr>
         <p:spPr/>
         <p:txBody>
+          <a:bodyPr>
+            <a:normAutofit/>
+          </a:bodyPr>
+          <a:lstStyle/>
+          <a:p>
+            <a:r>
+              <a:rPr lang="en-US" altLang="zh-CN" sz="4000" dirty="0"/>
+              <a:t>Paper main ideas</a:t>
+            </a:r>
+            <a:endParaRPr lang="zh-CN" altLang="en-US" sz="4000" dirty="0"/>
+          </a:p>
+        </p:txBody>
+      </p:sp>
+      <p:sp>
+        <p:nvSpPr>
+          <p:cNvPr id="3" name="内容占位符 2">
+            <a:extLst>
+              <a:ext uri="{FF2B5EF4-FFF2-40B4-BE49-F238E27FC236}">
+                <a16:creationId xmlns:a16="http://schemas.microsoft.com/office/drawing/2014/main" id="{E908EF65-878F-115D-65AB-4471FD334421}"/>
+              </a:ext>
+            </a:extLst>
+          </p:cNvPr>
+          <p:cNvSpPr>
+            <a:spLocks noGrp="1"/>
+          </p:cNvSpPr>
+          <p:nvPr>
+            <p:ph idx="1"/>
+          </p:nvPr>
+        </p:nvSpPr>
+        <p:spPr/>
+        <p:txBody>
           <a:bodyPr/>
           <a:lstStyle/>
           <a:p>
             <a:r>
               <a:rPr lang="en-US" altLang="zh-CN" dirty="0"/>
-              <a:t>Paper main ideas</a:t>
-            </a:r>
-            <a:endParaRPr lang="zh-CN" altLang="en-US" dirty="0"/>
-          </a:p>
-        </p:txBody>
-      </p:sp>
-      <p:sp>
-        <p:nvSpPr>
-          <p:cNvPr id="3" name="内容占位符 2">
-            <a:extLst>
-              <a:ext uri="{FF2B5EF4-FFF2-40B4-BE49-F238E27FC236}">
-                <a16:creationId xmlns:a16="http://schemas.microsoft.com/office/drawing/2014/main" id="{E908EF65-878F-115D-65AB-4471FD334421}"/>
-              </a:ext>
-            </a:extLst>
-          </p:cNvPr>
-          <p:cNvSpPr>
-            <a:spLocks noGrp="1"/>
-          </p:cNvSpPr>
-          <p:nvPr>
-            <p:ph idx="1"/>
-          </p:nvPr>
-        </p:nvSpPr>
-        <p:spPr/>
-        <p:txBody>
-          <a:bodyPr/>
-          <a:lstStyle/>
-          <a:p>
-            <a:endParaRPr lang="zh-CN" altLang="en-US" dirty="0"/>
+              <a:t>Build a basis understanding of the properties of TCP/IP</a:t>
+            </a:r>
+          </a:p>
+          <a:p>
+            <a:r>
+              <a:rPr lang="en-US" altLang="zh-CN" dirty="0"/>
+              <a:t>Analyze the phases evolutions and performance of TCP/IP when or when not encountering congestions and fluctuations based on random loss models</a:t>
+            </a:r>
+          </a:p>
+          <a:p>
+            <a:r>
+              <a:rPr lang="en-US" altLang="zh-CN" dirty="0"/>
+              <a:t>Provide modifications to network and transport layers for better end-to-end performance over WANs</a:t>
+            </a:r>
           </a:p>
         </p:txBody>
       </p:sp>
@@ -3625,6 +3653,2076 @@
     <p:extLst>
       <p:ext uri="{BB962C8B-B14F-4D97-AF65-F5344CB8AC3E}">
         <p14:creationId xmlns:p14="http://schemas.microsoft.com/office/powerpoint/2010/main" val="396417364"/>
+      </p:ext>
+    </p:extLst>
+  </p:cSld>
+  <p:clrMapOvr>
+    <a:masterClrMapping/>
+  </p:clrMapOvr>
+</p:sld>
+</file>
+
+<file path=ppt/slides/slide4.xml><?xml version="1.0" encoding="utf-8"?>
+<p:sld xmlns:a="http://schemas.openxmlformats.org/drawingml/2006/main" xmlns:r="http://schemas.openxmlformats.org/officeDocument/2006/relationships" xmlns:p="http://schemas.openxmlformats.org/presentationml/2006/main">
+  <p:cSld>
+    <p:spTree>
+      <p:nvGrpSpPr>
+        <p:cNvPr id="1" name=""/>
+        <p:cNvGrpSpPr/>
+        <p:nvPr/>
+      </p:nvGrpSpPr>
+      <p:grpSpPr>
+        <a:xfrm>
+          <a:off x="0" y="0"/>
+          <a:ext cx="0" cy="0"/>
+          <a:chOff x="0" y="0"/>
+          <a:chExt cx="0" cy="0"/>
+        </a:xfrm>
+      </p:grpSpPr>
+      <p:sp>
+        <p:nvSpPr>
+          <p:cNvPr id="2" name="标题 1">
+            <a:extLst>
+              <a:ext uri="{FF2B5EF4-FFF2-40B4-BE49-F238E27FC236}">
+                <a16:creationId xmlns:a16="http://schemas.microsoft.com/office/drawing/2014/main" id="{57F4C1E8-E632-AC16-6DC3-F49B9FD4FD4F}"/>
+              </a:ext>
+            </a:extLst>
+          </p:cNvPr>
+          <p:cNvSpPr>
+            <a:spLocks noGrp="1"/>
+          </p:cNvSpPr>
+          <p:nvPr>
+            <p:ph type="title"/>
+          </p:nvPr>
+        </p:nvSpPr>
+        <p:spPr/>
+        <p:txBody>
+          <a:bodyPr>
+            <a:normAutofit/>
+          </a:bodyPr>
+          <a:lstStyle/>
+          <a:p>
+            <a:r>
+              <a:rPr lang="en-US" altLang="zh-CN" sz="3600" dirty="0"/>
+              <a:t>System model and evaluations w/o Random loss</a:t>
+            </a:r>
+            <a:endParaRPr lang="zh-CN" altLang="en-US" sz="3600" dirty="0"/>
+          </a:p>
+        </p:txBody>
+      </p:sp>
+      <p:sp>
+        <p:nvSpPr>
+          <p:cNvPr id="3" name="内容占位符 2">
+            <a:extLst>
+              <a:ext uri="{FF2B5EF4-FFF2-40B4-BE49-F238E27FC236}">
+                <a16:creationId xmlns:a16="http://schemas.microsoft.com/office/drawing/2014/main" id="{AC507336-54B4-8FFE-1D9C-8418946DCE60}"/>
+              </a:ext>
+            </a:extLst>
+          </p:cNvPr>
+          <p:cNvSpPr>
+            <a:spLocks noGrp="1"/>
+          </p:cNvSpPr>
+          <p:nvPr>
+            <p:ph idx="1"/>
+          </p:nvPr>
+        </p:nvSpPr>
+        <p:spPr/>
+        <p:txBody>
+          <a:bodyPr/>
+          <a:lstStyle/>
+          <a:p>
+            <a:r>
+              <a:rPr lang="en-US" altLang="zh-CN" dirty="0"/>
+              <a:t>Random Loss</a:t>
+            </a:r>
+          </a:p>
+          <a:p>
+            <a:pPr lvl="1"/>
+            <a:r>
+              <a:rPr lang="en-US" altLang="zh-CN" dirty="0"/>
+              <a:t>A scenario of particular interest in the context of networks with multimedia traffic, where transient fluctuations in real time traffic may cause irregularly spaced losses for data traffic</a:t>
+            </a:r>
+          </a:p>
+          <a:p>
+            <a:r>
+              <a:rPr lang="en-US" altLang="zh-CN" dirty="0"/>
+              <a:t>System model we are going to analyze:</a:t>
+            </a:r>
+          </a:p>
+          <a:p>
+            <a:pPr lvl="1"/>
+            <a:r>
+              <a:rPr lang="en-US" altLang="zh-CN" dirty="0"/>
+              <a:t>Infinite data sources(Always has packets to send)</a:t>
+            </a:r>
+          </a:p>
+          <a:p>
+            <a:pPr lvl="1"/>
+            <a:r>
+              <a:rPr lang="en-US" altLang="zh-CN" dirty="0"/>
+              <a:t>Max packet sizes</a:t>
+            </a:r>
+          </a:p>
+          <a:p>
+            <a:pPr lvl="1"/>
+            <a:r>
+              <a:rPr lang="en-US" altLang="zh-CN" dirty="0"/>
+              <a:t>Only one single bottleneck link with capacity </a:t>
+            </a:r>
+            <a:r>
+              <a:rPr lang="el-GR" altLang="zh-CN" b="0" i="0" dirty="0">
+                <a:solidFill>
+                  <a:srgbClr val="202124"/>
+                </a:solidFill>
+                <a:effectLst/>
+                <a:latin typeface="arial" panose="020B0604020202020204" pitchFamily="34" charset="0"/>
+              </a:rPr>
+              <a:t>μ</a:t>
+            </a:r>
+            <a:r>
+              <a:rPr lang="en-US" altLang="zh-CN" b="0" i="0" dirty="0">
+                <a:solidFill>
+                  <a:srgbClr val="202124"/>
+                </a:solidFill>
+                <a:effectLst/>
+                <a:latin typeface="arial" panose="020B0604020202020204" pitchFamily="34" charset="0"/>
+              </a:rPr>
+              <a:t> packets/sec</a:t>
+            </a:r>
+          </a:p>
+          <a:p>
+            <a:pPr lvl="1"/>
+            <a:r>
+              <a:rPr lang="en-US" altLang="zh-CN" dirty="0">
+                <a:solidFill>
+                  <a:srgbClr val="202124"/>
+                </a:solidFill>
+                <a:latin typeface="arial" panose="020B0604020202020204" pitchFamily="34" charset="0"/>
+              </a:rPr>
+              <a:t>One FIFO buffer of size B packets</a:t>
+            </a:r>
+            <a:endParaRPr lang="en-US" altLang="zh-CN" dirty="0"/>
+          </a:p>
+        </p:txBody>
+      </p:sp>
+    </p:spTree>
+    <p:extLst>
+      <p:ext uri="{BB962C8B-B14F-4D97-AF65-F5344CB8AC3E}">
+        <p14:creationId xmlns:p14="http://schemas.microsoft.com/office/powerpoint/2010/main" val="2283290239"/>
+      </p:ext>
+    </p:extLst>
+  </p:cSld>
+  <p:clrMapOvr>
+    <a:masterClrMapping/>
+  </p:clrMapOvr>
+</p:sld>
+</file>
+
+<file path=ppt/slides/slide5.xml><?xml version="1.0" encoding="utf-8"?>
+<p:sld xmlns:a="http://schemas.openxmlformats.org/drawingml/2006/main" xmlns:r="http://schemas.openxmlformats.org/officeDocument/2006/relationships" xmlns:p="http://schemas.openxmlformats.org/presentationml/2006/main">
+  <p:cSld>
+    <p:spTree>
+      <p:nvGrpSpPr>
+        <p:cNvPr id="1" name=""/>
+        <p:cNvGrpSpPr/>
+        <p:nvPr/>
+      </p:nvGrpSpPr>
+      <p:grpSpPr>
+        <a:xfrm>
+          <a:off x="0" y="0"/>
+          <a:ext cx="0" cy="0"/>
+          <a:chOff x="0" y="0"/>
+          <a:chExt cx="0" cy="0"/>
+        </a:xfrm>
+      </p:grpSpPr>
+      <p:sp>
+        <p:nvSpPr>
+          <p:cNvPr id="2" name="标题 1">
+            <a:extLst>
+              <a:ext uri="{FF2B5EF4-FFF2-40B4-BE49-F238E27FC236}">
+                <a16:creationId xmlns:a16="http://schemas.microsoft.com/office/drawing/2014/main" id="{57F4C1E8-E632-AC16-6DC3-F49B9FD4FD4F}"/>
+              </a:ext>
+            </a:extLst>
+          </p:cNvPr>
+          <p:cNvSpPr>
+            <a:spLocks noGrp="1"/>
+          </p:cNvSpPr>
+          <p:nvPr>
+            <p:ph type="title"/>
+          </p:nvPr>
+        </p:nvSpPr>
+        <p:spPr/>
+        <p:txBody>
+          <a:bodyPr>
+            <a:normAutofit/>
+          </a:bodyPr>
+          <a:lstStyle/>
+          <a:p>
+            <a:r>
+              <a:rPr lang="en-US" altLang="zh-CN" sz="3600" dirty="0"/>
+              <a:t>System model and evaluations w/o Random loss</a:t>
+            </a:r>
+            <a:endParaRPr lang="zh-CN" altLang="en-US" sz="3600" dirty="0"/>
+          </a:p>
+        </p:txBody>
+      </p:sp>
+      <p:sp>
+        <p:nvSpPr>
+          <p:cNvPr id="3" name="内容占位符 2">
+            <a:extLst>
+              <a:ext uri="{FF2B5EF4-FFF2-40B4-BE49-F238E27FC236}">
+                <a16:creationId xmlns:a16="http://schemas.microsoft.com/office/drawing/2014/main" id="{AC507336-54B4-8FFE-1D9C-8418946DCE60}"/>
+              </a:ext>
+            </a:extLst>
+          </p:cNvPr>
+          <p:cNvSpPr>
+            <a:spLocks noGrp="1"/>
+          </p:cNvSpPr>
+          <p:nvPr>
+            <p:ph idx="1"/>
+          </p:nvPr>
+        </p:nvSpPr>
+        <p:spPr/>
+        <p:txBody>
+          <a:bodyPr/>
+          <a:lstStyle/>
+          <a:p>
+            <a:r>
+              <a:rPr lang="en-US" altLang="zh-CN" dirty="0"/>
+              <a:t>System Model Figure</a:t>
+            </a:r>
+          </a:p>
+          <a:p>
+            <a:pPr marL="0" indent="0">
+              <a:buNone/>
+            </a:pPr>
+            <a:endParaRPr lang="en-US" altLang="zh-CN" dirty="0"/>
+          </a:p>
+        </p:txBody>
+      </p:sp>
+      <p:sp>
+        <p:nvSpPr>
+          <p:cNvPr id="4" name="矩形: 圆角 3">
+            <a:extLst>
+              <a:ext uri="{FF2B5EF4-FFF2-40B4-BE49-F238E27FC236}">
+                <a16:creationId xmlns:a16="http://schemas.microsoft.com/office/drawing/2014/main" id="{1D14FACA-8559-9083-034A-B474C7EF98ED}"/>
+              </a:ext>
+            </a:extLst>
+          </p:cNvPr>
+          <p:cNvSpPr/>
+          <p:nvPr/>
+        </p:nvSpPr>
+        <p:spPr>
+          <a:xfrm>
+            <a:off x="2474259" y="2635624"/>
+            <a:ext cx="1326776" cy="717176"/>
+          </a:xfrm>
+          <a:prstGeom prst="roundRect">
+            <a:avLst/>
+          </a:prstGeom>
+          <a:noFill/>
+        </p:spPr>
+        <p:style>
+          <a:lnRef idx="2">
+            <a:schemeClr val="accent1">
+              <a:shade val="50000"/>
+            </a:schemeClr>
+          </a:lnRef>
+          <a:fillRef idx="1">
+            <a:schemeClr val="accent1"/>
+          </a:fillRef>
+          <a:effectRef idx="0">
+            <a:schemeClr val="accent1"/>
+          </a:effectRef>
+          <a:fontRef idx="minor">
+            <a:schemeClr val="lt1"/>
+          </a:fontRef>
+        </p:style>
+        <p:txBody>
+          <a:bodyPr rtlCol="0" anchor="ctr"/>
+          <a:lstStyle/>
+          <a:p>
+            <a:pPr algn="ctr"/>
+            <a:endParaRPr lang="zh-CN" altLang="en-US"/>
+          </a:p>
+        </p:txBody>
+      </p:sp>
+      <p:sp>
+        <p:nvSpPr>
+          <p:cNvPr id="5" name="文本框 4">
+            <a:extLst>
+              <a:ext uri="{FF2B5EF4-FFF2-40B4-BE49-F238E27FC236}">
+                <a16:creationId xmlns:a16="http://schemas.microsoft.com/office/drawing/2014/main" id="{D4CBBF4E-0AF4-63F7-7100-7B1ECCAE2B15}"/>
+              </a:ext>
+            </a:extLst>
+          </p:cNvPr>
+          <p:cNvSpPr txBox="1"/>
+          <p:nvPr/>
+        </p:nvSpPr>
+        <p:spPr>
+          <a:xfrm>
+            <a:off x="2554941" y="2788024"/>
+            <a:ext cx="1147483" cy="369332"/>
+          </a:xfrm>
+          <a:prstGeom prst="rect">
+            <a:avLst/>
+          </a:prstGeom>
+          <a:noFill/>
+        </p:spPr>
+        <p:txBody>
+          <a:bodyPr wrap="square" rtlCol="0">
+            <a:spAutoFit/>
+          </a:bodyPr>
+          <a:lstStyle/>
+          <a:p>
+            <a:r>
+              <a:rPr lang="en-US" altLang="zh-CN" dirty="0"/>
+              <a:t>Source 1</a:t>
+            </a:r>
+            <a:endParaRPr lang="zh-CN" altLang="en-US" dirty="0"/>
+          </a:p>
+        </p:txBody>
+      </p:sp>
+      <p:sp>
+        <p:nvSpPr>
+          <p:cNvPr id="7" name="矩形: 圆角 6">
+            <a:extLst>
+              <a:ext uri="{FF2B5EF4-FFF2-40B4-BE49-F238E27FC236}">
+                <a16:creationId xmlns:a16="http://schemas.microsoft.com/office/drawing/2014/main" id="{35DDCBB0-5085-3525-E15B-C3D9E38B8F43}"/>
+              </a:ext>
+            </a:extLst>
+          </p:cNvPr>
+          <p:cNvSpPr/>
+          <p:nvPr/>
+        </p:nvSpPr>
+        <p:spPr>
+          <a:xfrm>
+            <a:off x="2474259" y="3741458"/>
+            <a:ext cx="1326776" cy="717176"/>
+          </a:xfrm>
+          <a:prstGeom prst="roundRect">
+            <a:avLst/>
+          </a:prstGeom>
+          <a:noFill/>
+        </p:spPr>
+        <p:style>
+          <a:lnRef idx="2">
+            <a:schemeClr val="accent1">
+              <a:shade val="50000"/>
+            </a:schemeClr>
+          </a:lnRef>
+          <a:fillRef idx="1">
+            <a:schemeClr val="accent1"/>
+          </a:fillRef>
+          <a:effectRef idx="0">
+            <a:schemeClr val="accent1"/>
+          </a:effectRef>
+          <a:fontRef idx="minor">
+            <a:schemeClr val="lt1"/>
+          </a:fontRef>
+        </p:style>
+        <p:txBody>
+          <a:bodyPr rtlCol="0" anchor="ctr"/>
+          <a:lstStyle/>
+          <a:p>
+            <a:pPr algn="ctr"/>
+            <a:endParaRPr lang="zh-CN" altLang="en-US"/>
+          </a:p>
+        </p:txBody>
+      </p:sp>
+      <p:sp>
+        <p:nvSpPr>
+          <p:cNvPr id="9" name="文本框 8">
+            <a:extLst>
+              <a:ext uri="{FF2B5EF4-FFF2-40B4-BE49-F238E27FC236}">
+                <a16:creationId xmlns:a16="http://schemas.microsoft.com/office/drawing/2014/main" id="{079F469C-89ED-7E2B-652A-318836B27FA3}"/>
+              </a:ext>
+            </a:extLst>
+          </p:cNvPr>
+          <p:cNvSpPr txBox="1"/>
+          <p:nvPr/>
+        </p:nvSpPr>
+        <p:spPr>
+          <a:xfrm>
+            <a:off x="2554941" y="3893858"/>
+            <a:ext cx="1147483" cy="369332"/>
+          </a:xfrm>
+          <a:prstGeom prst="rect">
+            <a:avLst/>
+          </a:prstGeom>
+          <a:noFill/>
+        </p:spPr>
+        <p:txBody>
+          <a:bodyPr wrap="square" rtlCol="0">
+            <a:spAutoFit/>
+          </a:bodyPr>
+          <a:lstStyle/>
+          <a:p>
+            <a:r>
+              <a:rPr lang="en-US" altLang="zh-CN" dirty="0"/>
+              <a:t>Source 2</a:t>
+            </a:r>
+            <a:endParaRPr lang="zh-CN" altLang="en-US" dirty="0"/>
+          </a:p>
+        </p:txBody>
+      </p:sp>
+      <p:sp>
+        <p:nvSpPr>
+          <p:cNvPr id="11" name="矩形: 圆角 10">
+            <a:extLst>
+              <a:ext uri="{FF2B5EF4-FFF2-40B4-BE49-F238E27FC236}">
+                <a16:creationId xmlns:a16="http://schemas.microsoft.com/office/drawing/2014/main" id="{72853853-A2B6-AB70-C76A-6D11F7101E9D}"/>
+              </a:ext>
+            </a:extLst>
+          </p:cNvPr>
+          <p:cNvSpPr/>
+          <p:nvPr/>
+        </p:nvSpPr>
+        <p:spPr>
+          <a:xfrm>
+            <a:off x="2474259" y="4829363"/>
+            <a:ext cx="1326776" cy="717176"/>
+          </a:xfrm>
+          <a:prstGeom prst="roundRect">
+            <a:avLst/>
+          </a:prstGeom>
+          <a:noFill/>
+        </p:spPr>
+        <p:style>
+          <a:lnRef idx="2">
+            <a:schemeClr val="accent1">
+              <a:shade val="50000"/>
+            </a:schemeClr>
+          </a:lnRef>
+          <a:fillRef idx="1">
+            <a:schemeClr val="accent1"/>
+          </a:fillRef>
+          <a:effectRef idx="0">
+            <a:schemeClr val="accent1"/>
+          </a:effectRef>
+          <a:fontRef idx="minor">
+            <a:schemeClr val="lt1"/>
+          </a:fontRef>
+        </p:style>
+        <p:txBody>
+          <a:bodyPr rtlCol="0" anchor="ctr"/>
+          <a:lstStyle/>
+          <a:p>
+            <a:pPr algn="ctr"/>
+            <a:endParaRPr lang="zh-CN" altLang="en-US"/>
+          </a:p>
+        </p:txBody>
+      </p:sp>
+      <p:sp>
+        <p:nvSpPr>
+          <p:cNvPr id="13" name="文本框 12">
+            <a:extLst>
+              <a:ext uri="{FF2B5EF4-FFF2-40B4-BE49-F238E27FC236}">
+                <a16:creationId xmlns:a16="http://schemas.microsoft.com/office/drawing/2014/main" id="{444C8D18-01DC-E0D2-DE34-3E1CC75EC3E8}"/>
+              </a:ext>
+            </a:extLst>
+          </p:cNvPr>
+          <p:cNvSpPr txBox="1"/>
+          <p:nvPr/>
+        </p:nvSpPr>
+        <p:spPr>
+          <a:xfrm>
+            <a:off x="2554941" y="4981763"/>
+            <a:ext cx="1147483" cy="369332"/>
+          </a:xfrm>
+          <a:prstGeom prst="rect">
+            <a:avLst/>
+          </a:prstGeom>
+          <a:noFill/>
+        </p:spPr>
+        <p:txBody>
+          <a:bodyPr wrap="square" rtlCol="0">
+            <a:spAutoFit/>
+          </a:bodyPr>
+          <a:lstStyle/>
+          <a:p>
+            <a:r>
+              <a:rPr lang="en-US" altLang="zh-CN" dirty="0"/>
+              <a:t>Source 3</a:t>
+            </a:r>
+            <a:endParaRPr lang="zh-CN" altLang="en-US" dirty="0"/>
+          </a:p>
+        </p:txBody>
+      </p:sp>
+      <p:sp>
+        <p:nvSpPr>
+          <p:cNvPr id="14" name="流程图: 直接访问存储器 13">
+            <a:extLst>
+              <a:ext uri="{FF2B5EF4-FFF2-40B4-BE49-F238E27FC236}">
+                <a16:creationId xmlns:a16="http://schemas.microsoft.com/office/drawing/2014/main" id="{71EB2C86-3280-C057-98EF-903820FEE3BA}"/>
+              </a:ext>
+            </a:extLst>
+          </p:cNvPr>
+          <p:cNvSpPr/>
+          <p:nvPr/>
+        </p:nvSpPr>
+        <p:spPr>
+          <a:xfrm>
+            <a:off x="5047129" y="3370729"/>
+            <a:ext cx="2339789" cy="892461"/>
+          </a:xfrm>
+          <a:prstGeom prst="flowChartMagneticDrum">
+            <a:avLst/>
+          </a:prstGeom>
+          <a:noFill/>
+        </p:spPr>
+        <p:style>
+          <a:lnRef idx="2">
+            <a:schemeClr val="accent1">
+              <a:shade val="50000"/>
+            </a:schemeClr>
+          </a:lnRef>
+          <a:fillRef idx="1">
+            <a:schemeClr val="accent1"/>
+          </a:fillRef>
+          <a:effectRef idx="0">
+            <a:schemeClr val="accent1"/>
+          </a:effectRef>
+          <a:fontRef idx="minor">
+            <a:schemeClr val="lt1"/>
+          </a:fontRef>
+        </p:style>
+        <p:txBody>
+          <a:bodyPr rtlCol="0" anchor="ctr"/>
+          <a:lstStyle/>
+          <a:p>
+            <a:pPr algn="ctr"/>
+            <a:endParaRPr lang="zh-CN" altLang="en-US"/>
+          </a:p>
+        </p:txBody>
+      </p:sp>
+      <p:sp>
+        <p:nvSpPr>
+          <p:cNvPr id="15" name="文本框 14">
+            <a:extLst>
+              <a:ext uri="{FF2B5EF4-FFF2-40B4-BE49-F238E27FC236}">
+                <a16:creationId xmlns:a16="http://schemas.microsoft.com/office/drawing/2014/main" id="{A43C6553-851F-CD4A-2E64-F64E20FE7734}"/>
+              </a:ext>
+            </a:extLst>
+          </p:cNvPr>
+          <p:cNvSpPr txBox="1"/>
+          <p:nvPr/>
+        </p:nvSpPr>
+        <p:spPr>
+          <a:xfrm>
+            <a:off x="5235388" y="3632293"/>
+            <a:ext cx="1398495" cy="369332"/>
+          </a:xfrm>
+          <a:prstGeom prst="rect">
+            <a:avLst/>
+          </a:prstGeom>
+          <a:noFill/>
+        </p:spPr>
+        <p:txBody>
+          <a:bodyPr wrap="square" rtlCol="0">
+            <a:spAutoFit/>
+          </a:bodyPr>
+          <a:lstStyle/>
+          <a:p>
+            <a:r>
+              <a:rPr lang="en-US" altLang="zh-CN" dirty="0"/>
+              <a:t>FIFO buffer</a:t>
+            </a:r>
+            <a:endParaRPr lang="zh-CN" altLang="en-US" dirty="0"/>
+          </a:p>
+        </p:txBody>
+      </p:sp>
+      <p:sp>
+        <p:nvSpPr>
+          <p:cNvPr id="17" name="矩形: 圆角 16">
+            <a:extLst>
+              <a:ext uri="{FF2B5EF4-FFF2-40B4-BE49-F238E27FC236}">
+                <a16:creationId xmlns:a16="http://schemas.microsoft.com/office/drawing/2014/main" id="{72B9239E-1205-B77C-68B2-25A862A94C9E}"/>
+              </a:ext>
+            </a:extLst>
+          </p:cNvPr>
+          <p:cNvSpPr/>
+          <p:nvPr/>
+        </p:nvSpPr>
+        <p:spPr>
+          <a:xfrm>
+            <a:off x="8633012" y="3458371"/>
+            <a:ext cx="1326776" cy="717176"/>
+          </a:xfrm>
+          <a:prstGeom prst="roundRect">
+            <a:avLst/>
+          </a:prstGeom>
+          <a:noFill/>
+        </p:spPr>
+        <p:style>
+          <a:lnRef idx="2">
+            <a:schemeClr val="accent1">
+              <a:shade val="50000"/>
+            </a:schemeClr>
+          </a:lnRef>
+          <a:fillRef idx="1">
+            <a:schemeClr val="accent1"/>
+          </a:fillRef>
+          <a:effectRef idx="0">
+            <a:schemeClr val="accent1"/>
+          </a:effectRef>
+          <a:fontRef idx="minor">
+            <a:schemeClr val="lt1"/>
+          </a:fontRef>
+        </p:style>
+        <p:txBody>
+          <a:bodyPr rtlCol="0" anchor="ctr"/>
+          <a:lstStyle/>
+          <a:p>
+            <a:pPr algn="ctr"/>
+            <a:endParaRPr lang="zh-CN" altLang="en-US"/>
+          </a:p>
+        </p:txBody>
+      </p:sp>
+      <p:sp>
+        <p:nvSpPr>
+          <p:cNvPr id="19" name="文本框 18">
+            <a:extLst>
+              <a:ext uri="{FF2B5EF4-FFF2-40B4-BE49-F238E27FC236}">
+                <a16:creationId xmlns:a16="http://schemas.microsoft.com/office/drawing/2014/main" id="{B6320BE5-79B9-4531-7699-28002D915AAD}"/>
+              </a:ext>
+            </a:extLst>
+          </p:cNvPr>
+          <p:cNvSpPr txBox="1"/>
+          <p:nvPr/>
+        </p:nvSpPr>
+        <p:spPr>
+          <a:xfrm>
+            <a:off x="8812305" y="3673804"/>
+            <a:ext cx="1147483" cy="307777"/>
+          </a:xfrm>
+          <a:prstGeom prst="rect">
+            <a:avLst/>
+          </a:prstGeom>
+          <a:noFill/>
+        </p:spPr>
+        <p:txBody>
+          <a:bodyPr wrap="square" rtlCol="0">
+            <a:spAutoFit/>
+          </a:bodyPr>
+          <a:lstStyle/>
+          <a:p>
+            <a:r>
+              <a:rPr lang="en-US" altLang="zh-CN" sz="1400" dirty="0"/>
+              <a:t>Destination</a:t>
+            </a:r>
+            <a:endParaRPr lang="zh-CN" altLang="en-US" sz="1400" dirty="0"/>
+          </a:p>
+        </p:txBody>
+      </p:sp>
+      <p:cxnSp>
+        <p:nvCxnSpPr>
+          <p:cNvPr id="21" name="直接箭头连接符 20">
+            <a:extLst>
+              <a:ext uri="{FF2B5EF4-FFF2-40B4-BE49-F238E27FC236}">
+                <a16:creationId xmlns:a16="http://schemas.microsoft.com/office/drawing/2014/main" id="{6AC97FBA-A46B-5D78-8ECE-089AC6739727}"/>
+              </a:ext>
+            </a:extLst>
+          </p:cNvPr>
+          <p:cNvCxnSpPr>
+            <a:cxnSpLocks/>
+            <a:stCxn id="4" idx="3"/>
+          </p:cNvCxnSpPr>
+          <p:nvPr/>
+        </p:nvCxnSpPr>
+        <p:spPr>
+          <a:xfrm>
+            <a:off x="3801035" y="2994212"/>
+            <a:ext cx="1246094" cy="650221"/>
+          </a:xfrm>
+          <a:prstGeom prst="straightConnector1">
+            <a:avLst/>
+          </a:prstGeom>
+          <a:ln>
+            <a:tailEnd type="triangle"/>
+          </a:ln>
+        </p:spPr>
+        <p:style>
+          <a:lnRef idx="1">
+            <a:schemeClr val="accent1"/>
+          </a:lnRef>
+          <a:fillRef idx="0">
+            <a:schemeClr val="accent1"/>
+          </a:fillRef>
+          <a:effectRef idx="0">
+            <a:schemeClr val="accent1"/>
+          </a:effectRef>
+          <a:fontRef idx="minor">
+            <a:schemeClr val="tx1"/>
+          </a:fontRef>
+        </p:style>
+      </p:cxnSp>
+      <p:cxnSp>
+        <p:nvCxnSpPr>
+          <p:cNvPr id="23" name="直接箭头连接符 22">
+            <a:extLst>
+              <a:ext uri="{FF2B5EF4-FFF2-40B4-BE49-F238E27FC236}">
+                <a16:creationId xmlns:a16="http://schemas.microsoft.com/office/drawing/2014/main" id="{ABEE82AD-0942-CB52-1EB3-B06EA1C2B4B1}"/>
+              </a:ext>
+            </a:extLst>
+          </p:cNvPr>
+          <p:cNvCxnSpPr>
+            <a:stCxn id="7" idx="3"/>
+            <a:endCxn id="14" idx="1"/>
+          </p:cNvCxnSpPr>
+          <p:nvPr/>
+        </p:nvCxnSpPr>
+        <p:spPr>
+          <a:xfrm flipV="1">
+            <a:off x="3801035" y="3816960"/>
+            <a:ext cx="1246094" cy="283086"/>
+          </a:xfrm>
+          <a:prstGeom prst="straightConnector1">
+            <a:avLst/>
+          </a:prstGeom>
+          <a:ln>
+            <a:tailEnd type="triangle"/>
+          </a:ln>
+        </p:spPr>
+        <p:style>
+          <a:lnRef idx="1">
+            <a:schemeClr val="accent1"/>
+          </a:lnRef>
+          <a:fillRef idx="0">
+            <a:schemeClr val="accent1"/>
+          </a:fillRef>
+          <a:effectRef idx="0">
+            <a:schemeClr val="accent1"/>
+          </a:effectRef>
+          <a:fontRef idx="minor">
+            <a:schemeClr val="tx1"/>
+          </a:fontRef>
+        </p:style>
+      </p:cxnSp>
+      <p:cxnSp>
+        <p:nvCxnSpPr>
+          <p:cNvPr id="25" name="直接箭头连接符 24">
+            <a:extLst>
+              <a:ext uri="{FF2B5EF4-FFF2-40B4-BE49-F238E27FC236}">
+                <a16:creationId xmlns:a16="http://schemas.microsoft.com/office/drawing/2014/main" id="{958DB7CE-E019-4A5C-7720-EC4186BB6DC5}"/>
+              </a:ext>
+            </a:extLst>
+          </p:cNvPr>
+          <p:cNvCxnSpPr>
+            <a:cxnSpLocks/>
+            <a:stCxn id="11" idx="3"/>
+          </p:cNvCxnSpPr>
+          <p:nvPr/>
+        </p:nvCxnSpPr>
+        <p:spPr>
+          <a:xfrm flipV="1">
+            <a:off x="3801035" y="3951897"/>
+            <a:ext cx="1246094" cy="1236054"/>
+          </a:xfrm>
+          <a:prstGeom prst="straightConnector1">
+            <a:avLst/>
+          </a:prstGeom>
+          <a:ln>
+            <a:tailEnd type="triangle"/>
+          </a:ln>
+        </p:spPr>
+        <p:style>
+          <a:lnRef idx="1">
+            <a:schemeClr val="accent1"/>
+          </a:lnRef>
+          <a:fillRef idx="0">
+            <a:schemeClr val="accent1"/>
+          </a:fillRef>
+          <a:effectRef idx="0">
+            <a:schemeClr val="accent1"/>
+          </a:effectRef>
+          <a:fontRef idx="minor">
+            <a:schemeClr val="tx1"/>
+          </a:fontRef>
+        </p:style>
+      </p:cxnSp>
+      <p:cxnSp>
+        <p:nvCxnSpPr>
+          <p:cNvPr id="29" name="直接箭头连接符 28">
+            <a:extLst>
+              <a:ext uri="{FF2B5EF4-FFF2-40B4-BE49-F238E27FC236}">
+                <a16:creationId xmlns:a16="http://schemas.microsoft.com/office/drawing/2014/main" id="{A2C100F9-E63D-717F-19CB-CEDE82D70109}"/>
+              </a:ext>
+            </a:extLst>
+          </p:cNvPr>
+          <p:cNvCxnSpPr>
+            <a:stCxn id="14" idx="4"/>
+            <a:endCxn id="17" idx="1"/>
+          </p:cNvCxnSpPr>
+          <p:nvPr/>
+        </p:nvCxnSpPr>
+        <p:spPr>
+          <a:xfrm flipV="1">
+            <a:off x="7386918" y="3816959"/>
+            <a:ext cx="1246094" cy="1"/>
+          </a:xfrm>
+          <a:prstGeom prst="straightConnector1">
+            <a:avLst/>
+          </a:prstGeom>
+          <a:ln>
+            <a:tailEnd type="triangle"/>
+          </a:ln>
+        </p:spPr>
+        <p:style>
+          <a:lnRef idx="1">
+            <a:schemeClr val="accent1"/>
+          </a:lnRef>
+          <a:fillRef idx="0">
+            <a:schemeClr val="accent1"/>
+          </a:fillRef>
+          <a:effectRef idx="0">
+            <a:schemeClr val="accent1"/>
+          </a:effectRef>
+          <a:fontRef idx="minor">
+            <a:schemeClr val="tx1"/>
+          </a:fontRef>
+        </p:style>
+      </p:cxnSp>
+      <p:sp>
+        <p:nvSpPr>
+          <p:cNvPr id="30" name="文本框 29">
+            <a:extLst>
+              <a:ext uri="{FF2B5EF4-FFF2-40B4-BE49-F238E27FC236}">
+                <a16:creationId xmlns:a16="http://schemas.microsoft.com/office/drawing/2014/main" id="{458A85E6-A34A-E524-568B-0765F2FA6B47}"/>
+              </a:ext>
+            </a:extLst>
+          </p:cNvPr>
+          <p:cNvSpPr txBox="1"/>
+          <p:nvPr/>
+        </p:nvSpPr>
+        <p:spPr>
+          <a:xfrm>
+            <a:off x="7386918" y="3464459"/>
+            <a:ext cx="1172135" cy="276999"/>
+          </a:xfrm>
+          <a:prstGeom prst="rect">
+            <a:avLst/>
+          </a:prstGeom>
+          <a:noFill/>
+        </p:spPr>
+        <p:txBody>
+          <a:bodyPr wrap="square" rtlCol="0">
+            <a:spAutoFit/>
+          </a:bodyPr>
+          <a:lstStyle/>
+          <a:p>
+            <a:r>
+              <a:rPr lang="en-US" altLang="zh-CN" sz="1200" dirty="0">
+                <a:solidFill>
+                  <a:srgbClr val="FF0000"/>
+                </a:solidFill>
+              </a:rPr>
+              <a:t>Bottleneck link</a:t>
+            </a:r>
+            <a:endParaRPr lang="zh-CN" altLang="en-US" sz="1200" dirty="0">
+              <a:solidFill>
+                <a:srgbClr val="FF0000"/>
+              </a:solidFill>
+            </a:endParaRPr>
+          </a:p>
+        </p:txBody>
+      </p:sp>
+      <p:sp>
+        <p:nvSpPr>
+          <p:cNvPr id="33" name="矩形: 圆角 32">
+            <a:extLst>
+              <a:ext uri="{FF2B5EF4-FFF2-40B4-BE49-F238E27FC236}">
+                <a16:creationId xmlns:a16="http://schemas.microsoft.com/office/drawing/2014/main" id="{8512E5EA-4B87-DAF9-9289-2EEA614CBF2B}"/>
+              </a:ext>
+            </a:extLst>
+          </p:cNvPr>
+          <p:cNvSpPr/>
+          <p:nvPr/>
+        </p:nvSpPr>
+        <p:spPr>
+          <a:xfrm>
+            <a:off x="5587253" y="2391988"/>
+            <a:ext cx="1326776" cy="717176"/>
+          </a:xfrm>
+          <a:prstGeom prst="roundRect">
+            <a:avLst/>
+          </a:prstGeom>
+          <a:noFill/>
+        </p:spPr>
+        <p:style>
+          <a:lnRef idx="2">
+            <a:schemeClr val="accent1">
+              <a:shade val="50000"/>
+            </a:schemeClr>
+          </a:lnRef>
+          <a:fillRef idx="1">
+            <a:schemeClr val="accent1"/>
+          </a:fillRef>
+          <a:effectRef idx="0">
+            <a:schemeClr val="accent1"/>
+          </a:effectRef>
+          <a:fontRef idx="minor">
+            <a:schemeClr val="lt1"/>
+          </a:fontRef>
+        </p:style>
+        <p:txBody>
+          <a:bodyPr rtlCol="0" anchor="ctr"/>
+          <a:lstStyle/>
+          <a:p>
+            <a:pPr algn="ctr"/>
+            <a:endParaRPr lang="zh-CN" altLang="en-US"/>
+          </a:p>
+        </p:txBody>
+      </p:sp>
+      <p:sp>
+        <p:nvSpPr>
+          <p:cNvPr id="35" name="文本框 34">
+            <a:extLst>
+              <a:ext uri="{FF2B5EF4-FFF2-40B4-BE49-F238E27FC236}">
+                <a16:creationId xmlns:a16="http://schemas.microsoft.com/office/drawing/2014/main" id="{6D9EABF1-F4D6-D02F-56E2-55FE9BDB10EE}"/>
+              </a:ext>
+            </a:extLst>
+          </p:cNvPr>
+          <p:cNvSpPr txBox="1"/>
+          <p:nvPr/>
+        </p:nvSpPr>
+        <p:spPr>
+          <a:xfrm>
+            <a:off x="5667935" y="2544388"/>
+            <a:ext cx="1147483" cy="369332"/>
+          </a:xfrm>
+          <a:prstGeom prst="rect">
+            <a:avLst/>
+          </a:prstGeom>
+          <a:noFill/>
+        </p:spPr>
+        <p:txBody>
+          <a:bodyPr wrap="square" rtlCol="0">
+            <a:spAutoFit/>
+          </a:bodyPr>
+          <a:lstStyle/>
+          <a:p>
+            <a:r>
+              <a:rPr lang="en-US" altLang="zh-CN" dirty="0"/>
+              <a:t>TAU_1</a:t>
+            </a:r>
+            <a:endParaRPr lang="zh-CN" altLang="en-US" dirty="0"/>
+          </a:p>
+        </p:txBody>
+      </p:sp>
+      <p:sp>
+        <p:nvSpPr>
+          <p:cNvPr id="37" name="矩形: 圆角 36">
+            <a:extLst>
+              <a:ext uri="{FF2B5EF4-FFF2-40B4-BE49-F238E27FC236}">
+                <a16:creationId xmlns:a16="http://schemas.microsoft.com/office/drawing/2014/main" id="{1B4E272C-7077-C88E-96A5-DB76D2102309}"/>
+              </a:ext>
+            </a:extLst>
+          </p:cNvPr>
+          <p:cNvSpPr/>
+          <p:nvPr/>
+        </p:nvSpPr>
+        <p:spPr>
+          <a:xfrm>
+            <a:off x="5605182" y="4502900"/>
+            <a:ext cx="1326776" cy="717176"/>
+          </a:xfrm>
+          <a:prstGeom prst="roundRect">
+            <a:avLst/>
+          </a:prstGeom>
+          <a:noFill/>
+        </p:spPr>
+        <p:style>
+          <a:lnRef idx="2">
+            <a:schemeClr val="accent1">
+              <a:shade val="50000"/>
+            </a:schemeClr>
+          </a:lnRef>
+          <a:fillRef idx="1">
+            <a:schemeClr val="accent1"/>
+          </a:fillRef>
+          <a:effectRef idx="0">
+            <a:schemeClr val="accent1"/>
+          </a:effectRef>
+          <a:fontRef idx="minor">
+            <a:schemeClr val="lt1"/>
+          </a:fontRef>
+        </p:style>
+        <p:txBody>
+          <a:bodyPr rtlCol="0" anchor="ctr"/>
+          <a:lstStyle/>
+          <a:p>
+            <a:pPr algn="ctr"/>
+            <a:endParaRPr lang="zh-CN" altLang="en-US"/>
+          </a:p>
+        </p:txBody>
+      </p:sp>
+      <p:sp>
+        <p:nvSpPr>
+          <p:cNvPr id="39" name="文本框 38">
+            <a:extLst>
+              <a:ext uri="{FF2B5EF4-FFF2-40B4-BE49-F238E27FC236}">
+                <a16:creationId xmlns:a16="http://schemas.microsoft.com/office/drawing/2014/main" id="{304A5108-FF3D-8BDB-6160-6573EFAF31FC}"/>
+              </a:ext>
+            </a:extLst>
+          </p:cNvPr>
+          <p:cNvSpPr txBox="1"/>
+          <p:nvPr/>
+        </p:nvSpPr>
+        <p:spPr>
+          <a:xfrm>
+            <a:off x="5685864" y="4655300"/>
+            <a:ext cx="1147483" cy="369332"/>
+          </a:xfrm>
+          <a:prstGeom prst="rect">
+            <a:avLst/>
+          </a:prstGeom>
+          <a:noFill/>
+        </p:spPr>
+        <p:txBody>
+          <a:bodyPr wrap="square" rtlCol="0">
+            <a:spAutoFit/>
+          </a:bodyPr>
+          <a:lstStyle/>
+          <a:p>
+            <a:r>
+              <a:rPr lang="en-US" altLang="zh-CN" dirty="0"/>
+              <a:t>TAU_3</a:t>
+            </a:r>
+            <a:endParaRPr lang="zh-CN" altLang="en-US" dirty="0"/>
+          </a:p>
+        </p:txBody>
+      </p:sp>
+      <p:sp>
+        <p:nvSpPr>
+          <p:cNvPr id="41" name="矩形: 圆角 40">
+            <a:extLst>
+              <a:ext uri="{FF2B5EF4-FFF2-40B4-BE49-F238E27FC236}">
+                <a16:creationId xmlns:a16="http://schemas.microsoft.com/office/drawing/2014/main" id="{1DE5D8A1-376F-1208-AEC8-D8739E0760FC}"/>
+              </a:ext>
+            </a:extLst>
+          </p:cNvPr>
+          <p:cNvSpPr/>
+          <p:nvPr/>
+        </p:nvSpPr>
+        <p:spPr>
+          <a:xfrm>
+            <a:off x="5587253" y="5612187"/>
+            <a:ext cx="1326776" cy="717176"/>
+          </a:xfrm>
+          <a:prstGeom prst="roundRect">
+            <a:avLst/>
+          </a:prstGeom>
+          <a:noFill/>
+        </p:spPr>
+        <p:style>
+          <a:lnRef idx="2">
+            <a:schemeClr val="accent1">
+              <a:shade val="50000"/>
+            </a:schemeClr>
+          </a:lnRef>
+          <a:fillRef idx="1">
+            <a:schemeClr val="accent1"/>
+          </a:fillRef>
+          <a:effectRef idx="0">
+            <a:schemeClr val="accent1"/>
+          </a:effectRef>
+          <a:fontRef idx="minor">
+            <a:schemeClr val="lt1"/>
+          </a:fontRef>
+        </p:style>
+        <p:txBody>
+          <a:bodyPr rtlCol="0" anchor="ctr"/>
+          <a:lstStyle/>
+          <a:p>
+            <a:pPr algn="ctr"/>
+            <a:endParaRPr lang="zh-CN" altLang="en-US"/>
+          </a:p>
+        </p:txBody>
+      </p:sp>
+      <p:sp>
+        <p:nvSpPr>
+          <p:cNvPr id="43" name="文本框 42">
+            <a:extLst>
+              <a:ext uri="{FF2B5EF4-FFF2-40B4-BE49-F238E27FC236}">
+                <a16:creationId xmlns:a16="http://schemas.microsoft.com/office/drawing/2014/main" id="{72740470-7D66-C4FF-2A83-328CAC224EE9}"/>
+              </a:ext>
+            </a:extLst>
+          </p:cNvPr>
+          <p:cNvSpPr txBox="1"/>
+          <p:nvPr/>
+        </p:nvSpPr>
+        <p:spPr>
+          <a:xfrm>
+            <a:off x="5667935" y="5764587"/>
+            <a:ext cx="1147483" cy="369332"/>
+          </a:xfrm>
+          <a:prstGeom prst="rect">
+            <a:avLst/>
+          </a:prstGeom>
+          <a:noFill/>
+        </p:spPr>
+        <p:txBody>
+          <a:bodyPr wrap="square" rtlCol="0">
+            <a:spAutoFit/>
+          </a:bodyPr>
+          <a:lstStyle/>
+          <a:p>
+            <a:r>
+              <a:rPr lang="en-US" altLang="zh-CN" dirty="0"/>
+              <a:t>TAU_2</a:t>
+            </a:r>
+            <a:endParaRPr lang="zh-CN" altLang="en-US" dirty="0"/>
+          </a:p>
+        </p:txBody>
+      </p:sp>
+      <p:cxnSp>
+        <p:nvCxnSpPr>
+          <p:cNvPr id="45" name="连接符: 肘形 44">
+            <a:extLst>
+              <a:ext uri="{FF2B5EF4-FFF2-40B4-BE49-F238E27FC236}">
+                <a16:creationId xmlns:a16="http://schemas.microsoft.com/office/drawing/2014/main" id="{0BCE161F-485F-8BAC-E966-6863BC89FB68}"/>
+              </a:ext>
+            </a:extLst>
+          </p:cNvPr>
+          <p:cNvCxnSpPr>
+            <a:stCxn id="17" idx="0"/>
+            <a:endCxn id="33" idx="3"/>
+          </p:cNvCxnSpPr>
+          <p:nvPr/>
+        </p:nvCxnSpPr>
+        <p:spPr>
+          <a:xfrm rot="16200000" flipV="1">
+            <a:off x="7751318" y="1913288"/>
+            <a:ext cx="707795" cy="2382371"/>
+          </a:xfrm>
+          <a:prstGeom prst="bentConnector2">
+            <a:avLst/>
+          </a:prstGeom>
+          <a:ln>
+            <a:tailEnd type="triangle"/>
+          </a:ln>
+        </p:spPr>
+        <p:style>
+          <a:lnRef idx="1">
+            <a:schemeClr val="accent1"/>
+          </a:lnRef>
+          <a:fillRef idx="0">
+            <a:schemeClr val="accent1"/>
+          </a:fillRef>
+          <a:effectRef idx="0">
+            <a:schemeClr val="accent1"/>
+          </a:effectRef>
+          <a:fontRef idx="minor">
+            <a:schemeClr val="tx1"/>
+          </a:fontRef>
+        </p:style>
+      </p:cxnSp>
+      <p:cxnSp>
+        <p:nvCxnSpPr>
+          <p:cNvPr id="47" name="连接符: 肘形 46">
+            <a:extLst>
+              <a:ext uri="{FF2B5EF4-FFF2-40B4-BE49-F238E27FC236}">
+                <a16:creationId xmlns:a16="http://schemas.microsoft.com/office/drawing/2014/main" id="{E9F7FF8D-2ED6-B8F3-6179-92C018422D4A}"/>
+              </a:ext>
+            </a:extLst>
+          </p:cNvPr>
+          <p:cNvCxnSpPr>
+            <a:stCxn id="33" idx="1"/>
+          </p:cNvCxnSpPr>
+          <p:nvPr/>
+        </p:nvCxnSpPr>
+        <p:spPr>
+          <a:xfrm rot="10800000">
+            <a:off x="3815603" y="2749044"/>
+            <a:ext cx="1771650" cy="1533"/>
+          </a:xfrm>
+          <a:prstGeom prst="bentConnector3">
+            <a:avLst/>
+          </a:prstGeom>
+          <a:ln>
+            <a:tailEnd type="triangle"/>
+          </a:ln>
+        </p:spPr>
+        <p:style>
+          <a:lnRef idx="1">
+            <a:schemeClr val="accent1"/>
+          </a:lnRef>
+          <a:fillRef idx="0">
+            <a:schemeClr val="accent1"/>
+          </a:fillRef>
+          <a:effectRef idx="0">
+            <a:schemeClr val="accent1"/>
+          </a:effectRef>
+          <a:fontRef idx="minor">
+            <a:schemeClr val="tx1"/>
+          </a:fontRef>
+        </p:style>
+      </p:cxnSp>
+      <p:cxnSp>
+        <p:nvCxnSpPr>
+          <p:cNvPr id="49" name="连接符: 肘形 48">
+            <a:extLst>
+              <a:ext uri="{FF2B5EF4-FFF2-40B4-BE49-F238E27FC236}">
+                <a16:creationId xmlns:a16="http://schemas.microsoft.com/office/drawing/2014/main" id="{A0E7BB03-C029-962A-4CD7-0411E3242FFA}"/>
+              </a:ext>
+            </a:extLst>
+          </p:cNvPr>
+          <p:cNvCxnSpPr>
+            <a:stCxn id="17" idx="2"/>
+            <a:endCxn id="37" idx="3"/>
+          </p:cNvCxnSpPr>
+          <p:nvPr/>
+        </p:nvCxnSpPr>
+        <p:spPr>
+          <a:xfrm rot="5400000">
+            <a:off x="7771209" y="3336296"/>
+            <a:ext cx="685941" cy="2364442"/>
+          </a:xfrm>
+          <a:prstGeom prst="bentConnector2">
+            <a:avLst/>
+          </a:prstGeom>
+          <a:ln>
+            <a:tailEnd type="triangle"/>
+          </a:ln>
+        </p:spPr>
+        <p:style>
+          <a:lnRef idx="1">
+            <a:schemeClr val="accent1"/>
+          </a:lnRef>
+          <a:fillRef idx="0">
+            <a:schemeClr val="accent1"/>
+          </a:fillRef>
+          <a:effectRef idx="0">
+            <a:schemeClr val="accent1"/>
+          </a:effectRef>
+          <a:fontRef idx="minor">
+            <a:schemeClr val="tx1"/>
+          </a:fontRef>
+        </p:style>
+      </p:cxnSp>
+      <p:cxnSp>
+        <p:nvCxnSpPr>
+          <p:cNvPr id="53" name="连接符: 肘形 52">
+            <a:extLst>
+              <a:ext uri="{FF2B5EF4-FFF2-40B4-BE49-F238E27FC236}">
+                <a16:creationId xmlns:a16="http://schemas.microsoft.com/office/drawing/2014/main" id="{E8FC42C6-F240-6A64-D834-5277C3DB5B7C}"/>
+              </a:ext>
+            </a:extLst>
+          </p:cNvPr>
+          <p:cNvCxnSpPr>
+            <a:stCxn id="37" idx="1"/>
+          </p:cNvCxnSpPr>
+          <p:nvPr/>
+        </p:nvCxnSpPr>
+        <p:spPr>
+          <a:xfrm rot="10800000" flipV="1">
+            <a:off x="3801036" y="4861487"/>
+            <a:ext cx="1804147" cy="555255"/>
+          </a:xfrm>
+          <a:prstGeom prst="bentConnector3">
+            <a:avLst/>
+          </a:prstGeom>
+          <a:ln>
+            <a:tailEnd type="triangle"/>
+          </a:ln>
+        </p:spPr>
+        <p:style>
+          <a:lnRef idx="1">
+            <a:schemeClr val="accent1"/>
+          </a:lnRef>
+          <a:fillRef idx="0">
+            <a:schemeClr val="accent1"/>
+          </a:fillRef>
+          <a:effectRef idx="0">
+            <a:schemeClr val="accent1"/>
+          </a:effectRef>
+          <a:fontRef idx="minor">
+            <a:schemeClr val="tx1"/>
+          </a:fontRef>
+        </p:style>
+      </p:cxnSp>
+      <p:cxnSp>
+        <p:nvCxnSpPr>
+          <p:cNvPr id="57" name="直接连接符 56">
+            <a:extLst>
+              <a:ext uri="{FF2B5EF4-FFF2-40B4-BE49-F238E27FC236}">
+                <a16:creationId xmlns:a16="http://schemas.microsoft.com/office/drawing/2014/main" id="{01A9B87D-CEE9-48CE-92FF-31DBE6CB8F47}"/>
+              </a:ext>
+            </a:extLst>
+          </p:cNvPr>
+          <p:cNvCxnSpPr>
+            <a:stCxn id="41" idx="1"/>
+          </p:cNvCxnSpPr>
+          <p:nvPr/>
+        </p:nvCxnSpPr>
+        <p:spPr>
+          <a:xfrm flipH="1">
+            <a:off x="1891554" y="5970775"/>
+            <a:ext cx="3695699" cy="4760"/>
+          </a:xfrm>
+          <a:prstGeom prst="line">
+            <a:avLst/>
+          </a:prstGeom>
+        </p:spPr>
+        <p:style>
+          <a:lnRef idx="1">
+            <a:schemeClr val="accent1"/>
+          </a:lnRef>
+          <a:fillRef idx="0">
+            <a:schemeClr val="accent1"/>
+          </a:fillRef>
+          <a:effectRef idx="0">
+            <a:schemeClr val="accent1"/>
+          </a:effectRef>
+          <a:fontRef idx="minor">
+            <a:schemeClr val="tx1"/>
+          </a:fontRef>
+        </p:style>
+      </p:cxnSp>
+      <p:cxnSp>
+        <p:nvCxnSpPr>
+          <p:cNvPr id="59" name="直接连接符 58">
+            <a:extLst>
+              <a:ext uri="{FF2B5EF4-FFF2-40B4-BE49-F238E27FC236}">
+                <a16:creationId xmlns:a16="http://schemas.microsoft.com/office/drawing/2014/main" id="{3D2223A4-B4D3-D286-A1E0-4F4A3DC94580}"/>
+              </a:ext>
+            </a:extLst>
+          </p:cNvPr>
+          <p:cNvCxnSpPr/>
+          <p:nvPr/>
+        </p:nvCxnSpPr>
+        <p:spPr>
+          <a:xfrm flipV="1">
+            <a:off x="1891553" y="4130027"/>
+            <a:ext cx="0" cy="1819365"/>
+          </a:xfrm>
+          <a:prstGeom prst="line">
+            <a:avLst/>
+          </a:prstGeom>
+        </p:spPr>
+        <p:style>
+          <a:lnRef idx="1">
+            <a:schemeClr val="accent1"/>
+          </a:lnRef>
+          <a:fillRef idx="0">
+            <a:schemeClr val="accent1"/>
+          </a:fillRef>
+          <a:effectRef idx="0">
+            <a:schemeClr val="accent1"/>
+          </a:effectRef>
+          <a:fontRef idx="minor">
+            <a:schemeClr val="tx1"/>
+          </a:fontRef>
+        </p:style>
+      </p:cxnSp>
+      <p:cxnSp>
+        <p:nvCxnSpPr>
+          <p:cNvPr id="61" name="直接箭头连接符 60">
+            <a:extLst>
+              <a:ext uri="{FF2B5EF4-FFF2-40B4-BE49-F238E27FC236}">
+                <a16:creationId xmlns:a16="http://schemas.microsoft.com/office/drawing/2014/main" id="{5C93B7B8-BF0C-32E2-2237-E94B4F74CDB5}"/>
+              </a:ext>
+            </a:extLst>
+          </p:cNvPr>
+          <p:cNvCxnSpPr/>
+          <p:nvPr/>
+        </p:nvCxnSpPr>
+        <p:spPr>
+          <a:xfrm>
+            <a:off x="1891554" y="4175546"/>
+            <a:ext cx="582705" cy="0"/>
+          </a:xfrm>
+          <a:prstGeom prst="straightConnector1">
+            <a:avLst/>
+          </a:prstGeom>
+          <a:ln>
+            <a:tailEnd type="triangle"/>
+          </a:ln>
+        </p:spPr>
+        <p:style>
+          <a:lnRef idx="1">
+            <a:schemeClr val="accent1"/>
+          </a:lnRef>
+          <a:fillRef idx="0">
+            <a:schemeClr val="accent1"/>
+          </a:fillRef>
+          <a:effectRef idx="0">
+            <a:schemeClr val="accent1"/>
+          </a:effectRef>
+          <a:fontRef idx="minor">
+            <a:schemeClr val="tx1"/>
+          </a:fontRef>
+        </p:style>
+      </p:cxnSp>
+      <p:sp>
+        <p:nvSpPr>
+          <p:cNvPr id="62" name="文本框 61">
+            <a:extLst>
+              <a:ext uri="{FF2B5EF4-FFF2-40B4-BE49-F238E27FC236}">
+                <a16:creationId xmlns:a16="http://schemas.microsoft.com/office/drawing/2014/main" id="{223A9947-5779-04D2-345B-CBF2E87CAC19}"/>
+              </a:ext>
+            </a:extLst>
+          </p:cNvPr>
+          <p:cNvSpPr txBox="1"/>
+          <p:nvPr/>
+        </p:nvSpPr>
+        <p:spPr>
+          <a:xfrm>
+            <a:off x="5667935" y="1927412"/>
+            <a:ext cx="1326776" cy="461665"/>
+          </a:xfrm>
+          <a:prstGeom prst="rect">
+            <a:avLst/>
+          </a:prstGeom>
+          <a:noFill/>
+        </p:spPr>
+        <p:txBody>
+          <a:bodyPr wrap="square" rtlCol="0">
+            <a:spAutoFit/>
+          </a:bodyPr>
+          <a:lstStyle/>
+          <a:p>
+            <a:r>
+              <a:rPr lang="en-US" altLang="zh-CN" sz="1200" dirty="0">
+                <a:solidFill>
+                  <a:srgbClr val="FF0000"/>
+                </a:solidFill>
+              </a:rPr>
+              <a:t>Propagation and ACK delay</a:t>
+            </a:r>
+            <a:endParaRPr lang="zh-CN" altLang="en-US" sz="1200" dirty="0">
+              <a:solidFill>
+                <a:srgbClr val="FF0000"/>
+              </a:solidFill>
+            </a:endParaRPr>
+          </a:p>
+        </p:txBody>
+      </p:sp>
+    </p:spTree>
+    <p:extLst>
+      <p:ext uri="{BB962C8B-B14F-4D97-AF65-F5344CB8AC3E}">
+        <p14:creationId xmlns:p14="http://schemas.microsoft.com/office/powerpoint/2010/main" val="566876549"/>
+      </p:ext>
+    </p:extLst>
+  </p:cSld>
+  <p:clrMapOvr>
+    <a:masterClrMapping/>
+  </p:clrMapOvr>
+</p:sld>
+</file>
+
+<file path=ppt/slides/slide6.xml><?xml version="1.0" encoding="utf-8"?>
+<p:sld xmlns:a="http://schemas.openxmlformats.org/drawingml/2006/main" xmlns:r="http://schemas.openxmlformats.org/officeDocument/2006/relationships" xmlns:p="http://schemas.openxmlformats.org/presentationml/2006/main">
+  <p:cSld>
+    <p:spTree>
+      <p:nvGrpSpPr>
+        <p:cNvPr id="1" name=""/>
+        <p:cNvGrpSpPr/>
+        <p:nvPr/>
+      </p:nvGrpSpPr>
+      <p:grpSpPr>
+        <a:xfrm>
+          <a:off x="0" y="0"/>
+          <a:ext cx="0" cy="0"/>
+          <a:chOff x="0" y="0"/>
+          <a:chExt cx="0" cy="0"/>
+        </a:xfrm>
+      </p:grpSpPr>
+      <p:sp>
+        <p:nvSpPr>
+          <p:cNvPr id="2" name="标题 1">
+            <a:extLst>
+              <a:ext uri="{FF2B5EF4-FFF2-40B4-BE49-F238E27FC236}">
+                <a16:creationId xmlns:a16="http://schemas.microsoft.com/office/drawing/2014/main" id="{57F4C1E8-E632-AC16-6DC3-F49B9FD4FD4F}"/>
+              </a:ext>
+            </a:extLst>
+          </p:cNvPr>
+          <p:cNvSpPr>
+            <a:spLocks noGrp="1"/>
+          </p:cNvSpPr>
+          <p:nvPr>
+            <p:ph type="title"/>
+          </p:nvPr>
+        </p:nvSpPr>
+        <p:spPr/>
+        <p:txBody>
+          <a:bodyPr>
+            <a:normAutofit/>
+          </a:bodyPr>
+          <a:lstStyle/>
+          <a:p>
+            <a:r>
+              <a:rPr lang="en-US" altLang="zh-CN" sz="3600" dirty="0"/>
+              <a:t>System model and evaluations w/o Random loss</a:t>
+            </a:r>
+            <a:endParaRPr lang="zh-CN" altLang="en-US" sz="3600" dirty="0"/>
+          </a:p>
+        </p:txBody>
+      </p:sp>
+      <p:sp>
+        <p:nvSpPr>
+          <p:cNvPr id="3" name="内容占位符 2">
+            <a:extLst>
+              <a:ext uri="{FF2B5EF4-FFF2-40B4-BE49-F238E27FC236}">
+                <a16:creationId xmlns:a16="http://schemas.microsoft.com/office/drawing/2014/main" id="{AC507336-54B4-8FFE-1D9C-8418946DCE60}"/>
+              </a:ext>
+            </a:extLst>
+          </p:cNvPr>
+          <p:cNvSpPr>
+            <a:spLocks noGrp="1"/>
+          </p:cNvSpPr>
+          <p:nvPr>
+            <p:ph idx="1"/>
+          </p:nvPr>
+        </p:nvSpPr>
+        <p:spPr/>
+        <p:txBody>
+          <a:bodyPr/>
+          <a:lstStyle/>
+          <a:p>
+            <a:r>
+              <a:rPr lang="en-US" altLang="zh-CN" dirty="0"/>
+              <a:t>Evaluations w/o random losses</a:t>
+            </a:r>
+          </a:p>
+          <a:p>
+            <a:pPr lvl="1"/>
+            <a:r>
+              <a:rPr lang="en-US" altLang="zh-CN" dirty="0"/>
+              <a:t>We care about a single connection’s long-term throughput</a:t>
+            </a:r>
+          </a:p>
+          <a:p>
+            <a:r>
+              <a:rPr lang="en-US" altLang="zh-CN" dirty="0"/>
+              <a:t>Phase I: Slow start phase’s</a:t>
+            </a:r>
+            <a:r>
+              <a:rPr lang="zh-CN" altLang="en-US" dirty="0"/>
+              <a:t> </a:t>
+            </a:r>
+            <a:r>
+              <a:rPr lang="en-US" altLang="zh-CN" dirty="0"/>
+              <a:t>evolution</a:t>
+            </a:r>
+          </a:p>
+        </p:txBody>
+      </p:sp>
+      <p:pic>
+        <p:nvPicPr>
+          <p:cNvPr id="5" name="图片 4">
+            <a:extLst>
+              <a:ext uri="{FF2B5EF4-FFF2-40B4-BE49-F238E27FC236}">
+                <a16:creationId xmlns:a16="http://schemas.microsoft.com/office/drawing/2014/main" id="{905AD8C6-8269-1309-740A-439475F4E455}"/>
+              </a:ext>
+            </a:extLst>
+          </p:cNvPr>
+          <p:cNvPicPr>
+            <a:picLocks noChangeAspect="1"/>
+          </p:cNvPicPr>
+          <p:nvPr/>
+        </p:nvPicPr>
+        <p:blipFill>
+          <a:blip r:embed="rId2"/>
+          <a:stretch>
+            <a:fillRect/>
+          </a:stretch>
+        </p:blipFill>
+        <p:spPr>
+          <a:xfrm>
+            <a:off x="3095143" y="3218885"/>
+            <a:ext cx="4862672" cy="2853303"/>
+          </a:xfrm>
+          <a:prstGeom prst="rect">
+            <a:avLst/>
+          </a:prstGeom>
+        </p:spPr>
+      </p:pic>
+    </p:spTree>
+    <p:extLst>
+      <p:ext uri="{BB962C8B-B14F-4D97-AF65-F5344CB8AC3E}">
+        <p14:creationId xmlns:p14="http://schemas.microsoft.com/office/powerpoint/2010/main" val="696922655"/>
+      </p:ext>
+    </p:extLst>
+  </p:cSld>
+  <p:clrMapOvr>
+    <a:masterClrMapping/>
+  </p:clrMapOvr>
+</p:sld>
+</file>
+
+<file path=ppt/slides/slide7.xml><?xml version="1.0" encoding="utf-8"?>
+<p:sld xmlns:a="http://schemas.openxmlformats.org/drawingml/2006/main" xmlns:r="http://schemas.openxmlformats.org/officeDocument/2006/relationships" xmlns:p="http://schemas.openxmlformats.org/presentationml/2006/main">
+  <p:cSld>
+    <p:spTree>
+      <p:nvGrpSpPr>
+        <p:cNvPr id="1" name=""/>
+        <p:cNvGrpSpPr/>
+        <p:nvPr/>
+      </p:nvGrpSpPr>
+      <p:grpSpPr>
+        <a:xfrm>
+          <a:off x="0" y="0"/>
+          <a:ext cx="0" cy="0"/>
+          <a:chOff x="0" y="0"/>
+          <a:chExt cx="0" cy="0"/>
+        </a:xfrm>
+      </p:grpSpPr>
+      <p:sp>
+        <p:nvSpPr>
+          <p:cNvPr id="2" name="标题 1">
+            <a:extLst>
+              <a:ext uri="{FF2B5EF4-FFF2-40B4-BE49-F238E27FC236}">
+                <a16:creationId xmlns:a16="http://schemas.microsoft.com/office/drawing/2014/main" id="{57F4C1E8-E632-AC16-6DC3-F49B9FD4FD4F}"/>
+              </a:ext>
+            </a:extLst>
+          </p:cNvPr>
+          <p:cNvSpPr>
+            <a:spLocks noGrp="1"/>
+          </p:cNvSpPr>
+          <p:nvPr>
+            <p:ph type="title"/>
+          </p:nvPr>
+        </p:nvSpPr>
+        <p:spPr/>
+        <p:txBody>
+          <a:bodyPr>
+            <a:normAutofit/>
+          </a:bodyPr>
+          <a:lstStyle/>
+          <a:p>
+            <a:r>
+              <a:rPr lang="en-US" altLang="zh-CN" sz="3600" dirty="0"/>
+              <a:t>System model and evaluations w/o Random loss</a:t>
+            </a:r>
+            <a:endParaRPr lang="zh-CN" altLang="en-US" sz="3600" dirty="0"/>
+          </a:p>
+        </p:txBody>
+      </p:sp>
+      <p:sp>
+        <p:nvSpPr>
+          <p:cNvPr id="3" name="内容占位符 2">
+            <a:extLst>
+              <a:ext uri="{FF2B5EF4-FFF2-40B4-BE49-F238E27FC236}">
+                <a16:creationId xmlns:a16="http://schemas.microsoft.com/office/drawing/2014/main" id="{AC507336-54B4-8FFE-1D9C-8418946DCE60}"/>
+              </a:ext>
+            </a:extLst>
+          </p:cNvPr>
+          <p:cNvSpPr>
+            <a:spLocks noGrp="1"/>
+          </p:cNvSpPr>
+          <p:nvPr>
+            <p:ph idx="1"/>
+          </p:nvPr>
+        </p:nvSpPr>
+        <p:spPr/>
+        <p:txBody>
+          <a:bodyPr/>
+          <a:lstStyle/>
+          <a:p>
+            <a:r>
+              <a:rPr lang="en-US" altLang="zh-CN" dirty="0"/>
+              <a:t>Phase II: Congestion Avoidance Phase</a:t>
+            </a:r>
+          </a:p>
+          <a:p>
+            <a:pPr lvl="1"/>
+            <a:r>
+              <a:rPr lang="en-US" altLang="zh-CN" dirty="0"/>
+              <a:t>Starts from an arbitrary window size W0</a:t>
+            </a:r>
+          </a:p>
+          <a:p>
+            <a:pPr lvl="1"/>
+            <a:r>
+              <a:rPr lang="en-US" altLang="zh-CN" dirty="0"/>
+              <a:t>Packets sent during the phase:</a:t>
+            </a:r>
+          </a:p>
+          <a:p>
+            <a:pPr lvl="1"/>
+            <a:endParaRPr lang="en-US" altLang="zh-CN" dirty="0"/>
+          </a:p>
+          <a:p>
+            <a:pPr lvl="1"/>
+            <a:endParaRPr lang="en-US" altLang="zh-CN" dirty="0"/>
+          </a:p>
+          <a:p>
+            <a:pPr lvl="1"/>
+            <a:endParaRPr lang="en-US" altLang="zh-CN" dirty="0"/>
+          </a:p>
+          <a:p>
+            <a:pPr lvl="1"/>
+            <a:r>
+              <a:rPr lang="en-US" altLang="zh-CN" dirty="0"/>
+              <a:t>Packets sent when the bottleneck link is fully utilized:</a:t>
+            </a:r>
+          </a:p>
+          <a:p>
+            <a:pPr lvl="1"/>
+            <a:endParaRPr lang="en-US" altLang="zh-CN" dirty="0"/>
+          </a:p>
+          <a:p>
+            <a:pPr lvl="1"/>
+            <a:endParaRPr lang="en-US" altLang="zh-CN" dirty="0"/>
+          </a:p>
+          <a:p>
+            <a:pPr marL="457200" lvl="1" indent="0">
+              <a:buNone/>
+            </a:pPr>
+            <a:r>
+              <a:rPr lang="en-US" altLang="zh-CN" dirty="0"/>
+              <a:t>	where:</a:t>
+            </a:r>
+          </a:p>
+          <a:p>
+            <a:pPr lvl="1"/>
+            <a:endParaRPr lang="en-US" altLang="zh-CN" dirty="0"/>
+          </a:p>
+        </p:txBody>
+      </p:sp>
+      <p:pic>
+        <p:nvPicPr>
+          <p:cNvPr id="6" name="图片 5">
+            <a:extLst>
+              <a:ext uri="{FF2B5EF4-FFF2-40B4-BE49-F238E27FC236}">
+                <a16:creationId xmlns:a16="http://schemas.microsoft.com/office/drawing/2014/main" id="{8FAE05EA-24B6-BE90-33CF-9A97830532A2}"/>
+              </a:ext>
+            </a:extLst>
+          </p:cNvPr>
+          <p:cNvPicPr>
+            <a:picLocks noChangeAspect="1"/>
+          </p:cNvPicPr>
+          <p:nvPr/>
+        </p:nvPicPr>
+        <p:blipFill>
+          <a:blip r:embed="rId2"/>
+          <a:stretch>
+            <a:fillRect/>
+          </a:stretch>
+        </p:blipFill>
+        <p:spPr>
+          <a:xfrm>
+            <a:off x="2790446" y="3105069"/>
+            <a:ext cx="5430008" cy="1162212"/>
+          </a:xfrm>
+          <a:prstGeom prst="rect">
+            <a:avLst/>
+          </a:prstGeom>
+        </p:spPr>
+      </p:pic>
+      <p:pic>
+        <p:nvPicPr>
+          <p:cNvPr id="8" name="图片 7">
+            <a:extLst>
+              <a:ext uri="{FF2B5EF4-FFF2-40B4-BE49-F238E27FC236}">
+                <a16:creationId xmlns:a16="http://schemas.microsoft.com/office/drawing/2014/main" id="{B591CE56-60D0-741D-7CBC-1267D2605D30}"/>
+              </a:ext>
+            </a:extLst>
+          </p:cNvPr>
+          <p:cNvPicPr>
+            <a:picLocks noChangeAspect="1"/>
+          </p:cNvPicPr>
+          <p:nvPr/>
+        </p:nvPicPr>
+        <p:blipFill>
+          <a:blip r:embed="rId3"/>
+          <a:stretch>
+            <a:fillRect/>
+          </a:stretch>
+        </p:blipFill>
+        <p:spPr>
+          <a:xfrm>
+            <a:off x="3276380" y="5372065"/>
+            <a:ext cx="3143689" cy="495369"/>
+          </a:xfrm>
+          <a:prstGeom prst="rect">
+            <a:avLst/>
+          </a:prstGeom>
+        </p:spPr>
+      </p:pic>
+      <p:pic>
+        <p:nvPicPr>
+          <p:cNvPr id="10" name="图片 9">
+            <a:extLst>
+              <a:ext uri="{FF2B5EF4-FFF2-40B4-BE49-F238E27FC236}">
+                <a16:creationId xmlns:a16="http://schemas.microsoft.com/office/drawing/2014/main" id="{9FC01217-2B71-78A7-632B-32C991026B75}"/>
+              </a:ext>
+            </a:extLst>
+          </p:cNvPr>
+          <p:cNvPicPr>
+            <a:picLocks noChangeAspect="1"/>
+          </p:cNvPicPr>
+          <p:nvPr/>
+        </p:nvPicPr>
+        <p:blipFill>
+          <a:blip r:embed="rId4">
+            <a:extLst>
+              <a:ext uri="{28A0092B-C50C-407E-A947-70E740481C1C}">
+                <a14:useLocalDpi xmlns:a14="http://schemas.microsoft.com/office/drawing/2010/main" val="0"/>
+              </a:ext>
+            </a:extLst>
+          </a:blip>
+          <a:stretch>
+            <a:fillRect/>
+          </a:stretch>
+        </p:blipFill>
+        <p:spPr>
+          <a:xfrm>
+            <a:off x="4619514" y="4755332"/>
+            <a:ext cx="1581371" cy="466790"/>
+          </a:xfrm>
+          <a:prstGeom prst="rect">
+            <a:avLst/>
+          </a:prstGeom>
+        </p:spPr>
+      </p:pic>
+    </p:spTree>
+    <p:extLst>
+      <p:ext uri="{BB962C8B-B14F-4D97-AF65-F5344CB8AC3E}">
+        <p14:creationId xmlns:p14="http://schemas.microsoft.com/office/powerpoint/2010/main" val="3346234987"/>
+      </p:ext>
+    </p:extLst>
+  </p:cSld>
+  <p:clrMapOvr>
+    <a:masterClrMapping/>
+  </p:clrMapOvr>
+</p:sld>
+</file>
+
+<file path=ppt/slides/slide8.xml><?xml version="1.0" encoding="utf-8"?>
+<p:sld xmlns:a="http://schemas.openxmlformats.org/drawingml/2006/main" xmlns:r="http://schemas.openxmlformats.org/officeDocument/2006/relationships" xmlns:p="http://schemas.openxmlformats.org/presentationml/2006/main">
+  <p:cSld>
+    <p:spTree>
+      <p:nvGrpSpPr>
+        <p:cNvPr id="1" name=""/>
+        <p:cNvGrpSpPr/>
+        <p:nvPr/>
+      </p:nvGrpSpPr>
+      <p:grpSpPr>
+        <a:xfrm>
+          <a:off x="0" y="0"/>
+          <a:ext cx="0" cy="0"/>
+          <a:chOff x="0" y="0"/>
+          <a:chExt cx="0" cy="0"/>
+        </a:xfrm>
+      </p:grpSpPr>
+      <p:sp>
+        <p:nvSpPr>
+          <p:cNvPr id="2" name="标题 1">
+            <a:extLst>
+              <a:ext uri="{FF2B5EF4-FFF2-40B4-BE49-F238E27FC236}">
+                <a16:creationId xmlns:a16="http://schemas.microsoft.com/office/drawing/2014/main" id="{E8BD75AF-3DAD-DF9A-239E-615118864F45}"/>
+              </a:ext>
+            </a:extLst>
+          </p:cNvPr>
+          <p:cNvSpPr>
+            <a:spLocks noGrp="1"/>
+          </p:cNvSpPr>
+          <p:nvPr>
+            <p:ph type="title"/>
+          </p:nvPr>
+        </p:nvSpPr>
+        <p:spPr/>
+        <p:txBody>
+          <a:bodyPr>
+            <a:normAutofit/>
+          </a:bodyPr>
+          <a:lstStyle/>
+          <a:p>
+            <a:r>
+              <a:rPr lang="en-US" altLang="zh-CN" sz="3600" dirty="0"/>
+              <a:t>System model and evaluations w/o Random loss</a:t>
+            </a:r>
+            <a:endParaRPr lang="zh-CN" altLang="en-US" sz="3600" dirty="0"/>
+          </a:p>
+        </p:txBody>
+      </p:sp>
+      <p:sp>
+        <p:nvSpPr>
+          <p:cNvPr id="3" name="内容占位符 2">
+            <a:extLst>
+              <a:ext uri="{FF2B5EF4-FFF2-40B4-BE49-F238E27FC236}">
+                <a16:creationId xmlns:a16="http://schemas.microsoft.com/office/drawing/2014/main" id="{EFEE8474-5184-B6BF-4119-DE7439541D68}"/>
+              </a:ext>
+            </a:extLst>
+          </p:cNvPr>
+          <p:cNvSpPr>
+            <a:spLocks noGrp="1"/>
+          </p:cNvSpPr>
+          <p:nvPr>
+            <p:ph idx="1"/>
+          </p:nvPr>
+        </p:nvSpPr>
+        <p:spPr/>
+        <p:txBody>
+          <a:bodyPr/>
+          <a:lstStyle/>
+          <a:p>
+            <a:r>
+              <a:rPr lang="en-US" altLang="zh-CN" dirty="0"/>
+              <a:t>Throughput for this model:</a:t>
+            </a:r>
+            <a:endParaRPr lang="zh-CN" altLang="en-US" dirty="0"/>
+          </a:p>
+        </p:txBody>
+      </p:sp>
+      <p:pic>
+        <p:nvPicPr>
+          <p:cNvPr id="5" name="图片 4">
+            <a:extLst>
+              <a:ext uri="{FF2B5EF4-FFF2-40B4-BE49-F238E27FC236}">
+                <a16:creationId xmlns:a16="http://schemas.microsoft.com/office/drawing/2014/main" id="{E94423B6-E9E0-D2B7-1448-99079100A80F}"/>
+              </a:ext>
+            </a:extLst>
+          </p:cNvPr>
+          <p:cNvPicPr>
+            <a:picLocks noChangeAspect="1"/>
+          </p:cNvPicPr>
+          <p:nvPr/>
+        </p:nvPicPr>
+        <p:blipFill>
+          <a:blip r:embed="rId2">
+            <a:extLst>
+              <a:ext uri="{28A0092B-C50C-407E-A947-70E740481C1C}">
+                <a14:useLocalDpi xmlns:a14="http://schemas.microsoft.com/office/drawing/2010/main" val="0"/>
+              </a:ext>
+            </a:extLst>
+          </a:blip>
+          <a:stretch>
+            <a:fillRect/>
+          </a:stretch>
+        </p:blipFill>
+        <p:spPr>
+          <a:xfrm>
+            <a:off x="1085478" y="2385937"/>
+            <a:ext cx="7293322" cy="1471688"/>
+          </a:xfrm>
+          <a:prstGeom prst="rect">
+            <a:avLst/>
+          </a:prstGeom>
+        </p:spPr>
+      </p:pic>
+    </p:spTree>
+    <p:extLst>
+      <p:ext uri="{BB962C8B-B14F-4D97-AF65-F5344CB8AC3E}">
+        <p14:creationId xmlns:p14="http://schemas.microsoft.com/office/powerpoint/2010/main" val="2897210644"/>
+      </p:ext>
+    </p:extLst>
+  </p:cSld>
+  <p:clrMapOvr>
+    <a:masterClrMapping/>
+  </p:clrMapOvr>
+</p:sld>
+</file>
+
+<file path=ppt/slides/slide9.xml><?xml version="1.0" encoding="utf-8"?>
+<p:sld xmlns:a="http://schemas.openxmlformats.org/drawingml/2006/main" xmlns:r="http://schemas.openxmlformats.org/officeDocument/2006/relationships" xmlns:p="http://schemas.openxmlformats.org/presentationml/2006/main">
+  <p:cSld>
+    <p:spTree>
+      <p:nvGrpSpPr>
+        <p:cNvPr id="1" name=""/>
+        <p:cNvGrpSpPr/>
+        <p:nvPr/>
+      </p:nvGrpSpPr>
+      <p:grpSpPr>
+        <a:xfrm>
+          <a:off x="0" y="0"/>
+          <a:ext cx="0" cy="0"/>
+          <a:chOff x="0" y="0"/>
+          <a:chExt cx="0" cy="0"/>
+        </a:xfrm>
+      </p:grpSpPr>
+      <p:sp>
+        <p:nvSpPr>
+          <p:cNvPr id="2" name="标题 1">
+            <a:extLst>
+              <a:ext uri="{FF2B5EF4-FFF2-40B4-BE49-F238E27FC236}">
+                <a16:creationId xmlns:a16="http://schemas.microsoft.com/office/drawing/2014/main" id="{E8BD75AF-3DAD-DF9A-239E-615118864F45}"/>
+              </a:ext>
+            </a:extLst>
+          </p:cNvPr>
+          <p:cNvSpPr>
+            <a:spLocks noGrp="1"/>
+          </p:cNvSpPr>
+          <p:nvPr>
+            <p:ph type="title"/>
+          </p:nvPr>
+        </p:nvSpPr>
+        <p:spPr/>
+        <p:txBody>
+          <a:bodyPr>
+            <a:normAutofit/>
+          </a:bodyPr>
+          <a:lstStyle/>
+          <a:p>
+            <a:r>
+              <a:rPr lang="en-US" altLang="zh-CN" sz="3600" dirty="0"/>
+              <a:t>Evolution w/ random loss</a:t>
+            </a:r>
+          </a:p>
+        </p:txBody>
+      </p:sp>
+      <p:sp>
+        <p:nvSpPr>
+          <p:cNvPr id="3" name="内容占位符 2">
+            <a:extLst>
+              <a:ext uri="{FF2B5EF4-FFF2-40B4-BE49-F238E27FC236}">
+                <a16:creationId xmlns:a16="http://schemas.microsoft.com/office/drawing/2014/main" id="{EFEE8474-5184-B6BF-4119-DE7439541D68}"/>
+              </a:ext>
+            </a:extLst>
+          </p:cNvPr>
+          <p:cNvSpPr>
+            <a:spLocks noGrp="1"/>
+          </p:cNvSpPr>
+          <p:nvPr>
+            <p:ph idx="1"/>
+          </p:nvPr>
+        </p:nvSpPr>
+        <p:spPr/>
+        <p:txBody>
+          <a:bodyPr/>
+          <a:lstStyle/>
+          <a:p>
+            <a:r>
+              <a:rPr lang="en-US" altLang="zh-CN" dirty="0"/>
+              <a:t>Scenario:</a:t>
+            </a:r>
+          </a:p>
+          <a:p>
+            <a:pPr lvl="1"/>
+            <a:r>
+              <a:rPr lang="en-US" altLang="zh-CN" dirty="0"/>
+              <a:t>Any packet has a probability of loss : q</a:t>
+            </a:r>
+          </a:p>
+          <a:p>
+            <a:pPr lvl="1"/>
+            <a:r>
+              <a:rPr lang="en-US" altLang="zh-CN" dirty="0"/>
+              <a:t>Packet loss events are </a:t>
+            </a:r>
+            <a:r>
+              <a:rPr lang="en-US" altLang="zh-CN" dirty="0">
+                <a:solidFill>
+                  <a:srgbClr val="FF0000"/>
+                </a:solidFill>
+              </a:rPr>
+              <a:t>independent</a:t>
+            </a:r>
+            <a:endParaRPr lang="zh-CN" altLang="en-US" dirty="0">
+              <a:solidFill>
+                <a:srgbClr val="FF0000"/>
+              </a:solidFill>
+            </a:endParaRPr>
+          </a:p>
+        </p:txBody>
+      </p:sp>
+    </p:spTree>
+    <p:extLst>
+      <p:ext uri="{BB962C8B-B14F-4D97-AF65-F5344CB8AC3E}">
+        <p14:creationId xmlns:p14="http://schemas.microsoft.com/office/powerpoint/2010/main" val="3744410752"/>
       </p:ext>
     </p:extLst>
   </p:cSld>

--- a/Reading Assignments/02/Reading-02-Boyang Xiao.pptx
+++ b/Reading Assignments/02/Reading-02-Boyang Xiao.pptx
@@ -14,6 +14,9 @@
     <p:sldId id="262" r:id="rId8"/>
     <p:sldId id="263" r:id="rId9"/>
     <p:sldId id="264" r:id="rId10"/>
+    <p:sldId id="265" r:id="rId11"/>
+    <p:sldId id="266" r:id="rId12"/>
+    <p:sldId id="267" r:id="rId13"/>
   </p:sldIdLst>
   <p:sldSz cx="12192000" cy="6858000"/>
   <p:notesSz cx="6858000" cy="9144000"/>
@@ -3449,6 +3452,500 @@
 </p:sld>
 </file>
 
+<file path=ppt/slides/slide10.xml><?xml version="1.0" encoding="utf-8"?>
+<p:sld xmlns:a="http://schemas.openxmlformats.org/drawingml/2006/main" xmlns:r="http://schemas.openxmlformats.org/officeDocument/2006/relationships" xmlns:p="http://schemas.openxmlformats.org/presentationml/2006/main">
+  <p:cSld>
+    <p:spTree>
+      <p:nvGrpSpPr>
+        <p:cNvPr id="1" name=""/>
+        <p:cNvGrpSpPr/>
+        <p:nvPr/>
+      </p:nvGrpSpPr>
+      <p:grpSpPr>
+        <a:xfrm>
+          <a:off x="0" y="0"/>
+          <a:ext cx="0" cy="0"/>
+          <a:chOff x="0" y="0"/>
+          <a:chExt cx="0" cy="0"/>
+        </a:xfrm>
+      </p:grpSpPr>
+      <p:sp>
+        <p:nvSpPr>
+          <p:cNvPr id="2" name="Title 1">
+            <a:extLst>
+              <a:ext uri="{FF2B5EF4-FFF2-40B4-BE49-F238E27FC236}">
+                <a16:creationId xmlns:a16="http://schemas.microsoft.com/office/drawing/2014/main" id="{F604D7E0-0FD4-97CA-E7CA-A84DEEC29770}"/>
+              </a:ext>
+            </a:extLst>
+          </p:cNvPr>
+          <p:cNvSpPr>
+            <a:spLocks noGrp="1"/>
+          </p:cNvSpPr>
+          <p:nvPr>
+            <p:ph type="title"/>
+          </p:nvPr>
+        </p:nvSpPr>
+        <p:spPr/>
+        <p:txBody>
+          <a:bodyPr>
+            <a:normAutofit/>
+          </a:bodyPr>
+          <a:lstStyle/>
+          <a:p>
+            <a:r>
+              <a:rPr lang="en-US" altLang="zh-CN" sz="3600" dirty="0"/>
+              <a:t>Multiple TCP connections</a:t>
+            </a:r>
+            <a:endParaRPr lang="en-US" sz="3600" dirty="0"/>
+          </a:p>
+        </p:txBody>
+      </p:sp>
+      <p:sp>
+        <p:nvSpPr>
+          <p:cNvPr id="3" name="Content Placeholder 2">
+            <a:extLst>
+              <a:ext uri="{FF2B5EF4-FFF2-40B4-BE49-F238E27FC236}">
+                <a16:creationId xmlns:a16="http://schemas.microsoft.com/office/drawing/2014/main" id="{B92CAAB0-C72A-7473-FE2C-725DD06059FF}"/>
+              </a:ext>
+            </a:extLst>
+          </p:cNvPr>
+          <p:cNvSpPr>
+            <a:spLocks noGrp="1"/>
+          </p:cNvSpPr>
+          <p:nvPr>
+            <p:ph idx="1"/>
+          </p:nvPr>
+        </p:nvSpPr>
+        <p:spPr/>
+        <p:txBody>
+          <a:bodyPr/>
+          <a:lstStyle/>
+          <a:p>
+            <a:r>
+              <a:rPr lang="en-US" sz="2400" dirty="0"/>
+              <a:t>Scenario:</a:t>
+            </a:r>
+          </a:p>
+          <a:p>
+            <a:pPr lvl="1"/>
+            <a:r>
+              <a:rPr lang="en-US" sz="2000" dirty="0"/>
+              <a:t>Longer RTT</a:t>
+            </a:r>
+          </a:p>
+          <a:p>
+            <a:pPr lvl="1"/>
+            <a:r>
+              <a:rPr lang="en-US" sz="2000" dirty="0"/>
+              <a:t>Multiple TCP connections</a:t>
+            </a:r>
+          </a:p>
+          <a:p>
+            <a:pPr lvl="1"/>
+            <a:r>
+              <a:rPr lang="en-US" sz="2000" dirty="0"/>
+              <a:t>Window adjustment mechanisms</a:t>
+            </a:r>
+          </a:p>
+          <a:p>
+            <a:r>
+              <a:rPr lang="en-US" sz="2400" dirty="0"/>
+              <a:t>Numerical analysis and results:</a:t>
+            </a:r>
+          </a:p>
+          <a:p>
+            <a:pPr marL="457200" lvl="1" indent="0">
+              <a:buNone/>
+            </a:pPr>
+            <a:r>
+              <a:rPr lang="en-US" sz="2000" dirty="0"/>
+              <a:t>- Case 1: Small buffers			- Case 2: Larger buffers</a:t>
+            </a:r>
+          </a:p>
+          <a:p>
+            <a:pPr lvl="1"/>
+            <a:endParaRPr lang="en-US" dirty="0"/>
+          </a:p>
+        </p:txBody>
+      </p:sp>
+      <p:pic>
+        <p:nvPicPr>
+          <p:cNvPr id="5" name="Picture 4">
+            <a:extLst>
+              <a:ext uri="{FF2B5EF4-FFF2-40B4-BE49-F238E27FC236}">
+                <a16:creationId xmlns:a16="http://schemas.microsoft.com/office/drawing/2014/main" id="{BF036AC9-AF96-3E3E-9927-1F37FBCFED13}"/>
+              </a:ext>
+            </a:extLst>
+          </p:cNvPr>
+          <p:cNvPicPr>
+            <a:picLocks noChangeAspect="1"/>
+          </p:cNvPicPr>
+          <p:nvPr/>
+        </p:nvPicPr>
+        <p:blipFill>
+          <a:blip r:embed="rId2">
+            <a:extLst>
+              <a:ext uri="{28A0092B-C50C-407E-A947-70E740481C1C}">
+                <a14:useLocalDpi xmlns:a14="http://schemas.microsoft.com/office/drawing/2010/main" val="0"/>
+              </a:ext>
+            </a:extLst>
+          </a:blip>
+          <a:stretch>
+            <a:fillRect/>
+          </a:stretch>
+        </p:blipFill>
+        <p:spPr>
+          <a:xfrm>
+            <a:off x="838200" y="4182045"/>
+            <a:ext cx="4696160" cy="1708392"/>
+          </a:xfrm>
+          <a:prstGeom prst="rect">
+            <a:avLst/>
+          </a:prstGeom>
+        </p:spPr>
+      </p:pic>
+      <p:pic>
+        <p:nvPicPr>
+          <p:cNvPr id="7" name="Picture 6">
+            <a:extLst>
+              <a:ext uri="{FF2B5EF4-FFF2-40B4-BE49-F238E27FC236}">
+                <a16:creationId xmlns:a16="http://schemas.microsoft.com/office/drawing/2014/main" id="{9D2205BF-A7BB-7A44-95C0-DBDD88A93D16}"/>
+              </a:ext>
+            </a:extLst>
+          </p:cNvPr>
+          <p:cNvPicPr>
+            <a:picLocks noChangeAspect="1"/>
+          </p:cNvPicPr>
+          <p:nvPr/>
+        </p:nvPicPr>
+        <p:blipFill>
+          <a:blip r:embed="rId3">
+            <a:extLst>
+              <a:ext uri="{28A0092B-C50C-407E-A947-70E740481C1C}">
+                <a14:useLocalDpi xmlns:a14="http://schemas.microsoft.com/office/drawing/2010/main" val="0"/>
+              </a:ext>
+            </a:extLst>
+          </a:blip>
+          <a:stretch>
+            <a:fillRect/>
+          </a:stretch>
+        </p:blipFill>
+        <p:spPr>
+          <a:xfrm>
+            <a:off x="6096001" y="4075719"/>
+            <a:ext cx="4696160" cy="785311"/>
+          </a:xfrm>
+          <a:prstGeom prst="rect">
+            <a:avLst/>
+          </a:prstGeom>
+        </p:spPr>
+      </p:pic>
+      <p:pic>
+        <p:nvPicPr>
+          <p:cNvPr id="9" name="Picture 8">
+            <a:extLst>
+              <a:ext uri="{FF2B5EF4-FFF2-40B4-BE49-F238E27FC236}">
+                <a16:creationId xmlns:a16="http://schemas.microsoft.com/office/drawing/2014/main" id="{ACEAF276-3C69-E82F-F32C-B626E694AF6C}"/>
+              </a:ext>
+            </a:extLst>
+          </p:cNvPr>
+          <p:cNvPicPr>
+            <a:picLocks noChangeAspect="1"/>
+          </p:cNvPicPr>
+          <p:nvPr/>
+        </p:nvPicPr>
+        <p:blipFill>
+          <a:blip r:embed="rId4">
+            <a:extLst>
+              <a:ext uri="{28A0092B-C50C-407E-A947-70E740481C1C}">
+                <a14:useLocalDpi xmlns:a14="http://schemas.microsoft.com/office/drawing/2010/main" val="0"/>
+              </a:ext>
+            </a:extLst>
+          </a:blip>
+          <a:stretch>
+            <a:fillRect/>
+          </a:stretch>
+        </p:blipFill>
+        <p:spPr>
+          <a:xfrm>
+            <a:off x="6154593" y="5036241"/>
+            <a:ext cx="4351079" cy="786428"/>
+          </a:xfrm>
+          <a:prstGeom prst="rect">
+            <a:avLst/>
+          </a:prstGeom>
+        </p:spPr>
+      </p:pic>
+    </p:spTree>
+    <p:extLst>
+      <p:ext uri="{BB962C8B-B14F-4D97-AF65-F5344CB8AC3E}">
+        <p14:creationId xmlns:p14="http://schemas.microsoft.com/office/powerpoint/2010/main" val="2760887343"/>
+      </p:ext>
+    </p:extLst>
+  </p:cSld>
+  <p:clrMapOvr>
+    <a:masterClrMapping/>
+  </p:clrMapOvr>
+</p:sld>
+</file>
+
+<file path=ppt/slides/slide11.xml><?xml version="1.0" encoding="utf-8"?>
+<p:sld xmlns:a="http://schemas.openxmlformats.org/drawingml/2006/main" xmlns:r="http://schemas.openxmlformats.org/officeDocument/2006/relationships" xmlns:p="http://schemas.openxmlformats.org/presentationml/2006/main">
+  <p:cSld>
+    <p:spTree>
+      <p:nvGrpSpPr>
+        <p:cNvPr id="1" name=""/>
+        <p:cNvGrpSpPr/>
+        <p:nvPr/>
+      </p:nvGrpSpPr>
+      <p:grpSpPr>
+        <a:xfrm>
+          <a:off x="0" y="0"/>
+          <a:ext cx="0" cy="0"/>
+          <a:chOff x="0" y="0"/>
+          <a:chExt cx="0" cy="0"/>
+        </a:xfrm>
+      </p:grpSpPr>
+      <p:sp>
+        <p:nvSpPr>
+          <p:cNvPr id="2" name="Title 1">
+            <a:extLst>
+              <a:ext uri="{FF2B5EF4-FFF2-40B4-BE49-F238E27FC236}">
+                <a16:creationId xmlns:a16="http://schemas.microsoft.com/office/drawing/2014/main" id="{DD6DA98C-BE30-1777-EBC5-8690B960D401}"/>
+              </a:ext>
+            </a:extLst>
+          </p:cNvPr>
+          <p:cNvSpPr>
+            <a:spLocks noGrp="1"/>
+          </p:cNvSpPr>
+          <p:nvPr>
+            <p:ph type="title"/>
+          </p:nvPr>
+        </p:nvSpPr>
+        <p:spPr>
+          <a:xfrm>
+            <a:off x="838200" y="280064"/>
+            <a:ext cx="10515600" cy="1325563"/>
+          </a:xfrm>
+        </p:spPr>
+        <p:txBody>
+          <a:bodyPr>
+            <a:normAutofit/>
+          </a:bodyPr>
+          <a:lstStyle/>
+          <a:p>
+            <a:r>
+              <a:rPr lang="en-US" altLang="zh-CN" sz="4000" dirty="0"/>
+              <a:t>Conclusions and further works</a:t>
+            </a:r>
+            <a:endParaRPr lang="en-US" sz="4000" dirty="0"/>
+          </a:p>
+        </p:txBody>
+      </p:sp>
+      <p:sp>
+        <p:nvSpPr>
+          <p:cNvPr id="3" name="Content Placeholder 2">
+            <a:extLst>
+              <a:ext uri="{FF2B5EF4-FFF2-40B4-BE49-F238E27FC236}">
+                <a16:creationId xmlns:a16="http://schemas.microsoft.com/office/drawing/2014/main" id="{5E5DE27D-D1F9-FE1E-C80F-75C69EFAAE37}"/>
+              </a:ext>
+            </a:extLst>
+          </p:cNvPr>
+          <p:cNvSpPr>
+            <a:spLocks noGrp="1"/>
+          </p:cNvSpPr>
+          <p:nvPr>
+            <p:ph idx="1"/>
+          </p:nvPr>
+        </p:nvSpPr>
+        <p:spPr>
+          <a:xfrm>
+            <a:off x="838200" y="1467293"/>
+            <a:ext cx="10515600" cy="4709670"/>
+          </a:xfrm>
+        </p:spPr>
+        <p:txBody>
+          <a:bodyPr>
+            <a:normAutofit lnSpcReduction="10000"/>
+          </a:bodyPr>
+          <a:lstStyle/>
+          <a:p>
+            <a:r>
+              <a:rPr lang="en-US" dirty="0"/>
+              <a:t>TCP's TAHOE feature makes exponential increase of window size in slow start necessary</a:t>
+            </a:r>
+          </a:p>
+          <a:p>
+            <a:r>
+              <a:rPr lang="en-US" dirty="0"/>
+              <a:t>TCP’s vulnerability makes it difficult to multiplex data traffic with real-time delivering rate</a:t>
+            </a:r>
+          </a:p>
+          <a:p>
+            <a:r>
+              <a:rPr lang="en-US" dirty="0"/>
+              <a:t>TCP’s unfairness towards connections with higher delays could cause performance problems when multiplexing short and long-haul traffic on WANs</a:t>
+            </a:r>
+          </a:p>
+          <a:p>
+            <a:r>
+              <a:rPr lang="en-US" dirty="0"/>
+              <a:t>Loss is the only ways for feedback in TCP and it leads to excessive delays</a:t>
+            </a:r>
+          </a:p>
+          <a:p>
+            <a:r>
+              <a:rPr lang="en-US" dirty="0"/>
+              <a:t>Bias against connections with higher delays can be removed by modifying mechanisms for probing for bandwidth during congestions</a:t>
+            </a:r>
+          </a:p>
+        </p:txBody>
+      </p:sp>
+    </p:spTree>
+    <p:extLst>
+      <p:ext uri="{BB962C8B-B14F-4D97-AF65-F5344CB8AC3E}">
+        <p14:creationId xmlns:p14="http://schemas.microsoft.com/office/powerpoint/2010/main" val="541668804"/>
+      </p:ext>
+    </p:extLst>
+  </p:cSld>
+  <p:clrMapOvr>
+    <a:masterClrMapping/>
+  </p:clrMapOvr>
+</p:sld>
+</file>
+
+<file path=ppt/slides/slide12.xml><?xml version="1.0" encoding="utf-8"?>
+<p:sld xmlns:a="http://schemas.openxmlformats.org/drawingml/2006/main" xmlns:r="http://schemas.openxmlformats.org/officeDocument/2006/relationships" xmlns:p="http://schemas.openxmlformats.org/presentationml/2006/main">
+  <p:cSld>
+    <p:spTree>
+      <p:nvGrpSpPr>
+        <p:cNvPr id="1" name=""/>
+        <p:cNvGrpSpPr/>
+        <p:nvPr/>
+      </p:nvGrpSpPr>
+      <p:grpSpPr>
+        <a:xfrm>
+          <a:off x="0" y="0"/>
+          <a:ext cx="0" cy="0"/>
+          <a:chOff x="0" y="0"/>
+          <a:chExt cx="0" cy="0"/>
+        </a:xfrm>
+      </p:grpSpPr>
+      <p:sp>
+        <p:nvSpPr>
+          <p:cNvPr id="2" name="标题 1">
+            <a:extLst>
+              <a:ext uri="{FF2B5EF4-FFF2-40B4-BE49-F238E27FC236}">
+                <a16:creationId xmlns:a16="http://schemas.microsoft.com/office/drawing/2014/main" id="{2E88A736-0111-430D-10D2-830B29219C23}"/>
+              </a:ext>
+            </a:extLst>
+          </p:cNvPr>
+          <p:cNvSpPr>
+            <a:spLocks noGrp="1"/>
+          </p:cNvSpPr>
+          <p:nvPr>
+            <p:ph type="ctrTitle"/>
+          </p:nvPr>
+        </p:nvSpPr>
+        <p:spPr>
+          <a:xfrm>
+            <a:off x="1228164" y="1113398"/>
+            <a:ext cx="9735671" cy="2387600"/>
+          </a:xfrm>
+        </p:spPr>
+        <p:txBody>
+          <a:bodyPr>
+            <a:normAutofit/>
+          </a:bodyPr>
+          <a:lstStyle/>
+          <a:p>
+            <a:pPr>
+              <a:lnSpc>
+                <a:spcPct val="150000"/>
+              </a:lnSpc>
+            </a:pPr>
+            <a:r>
+              <a:rPr lang="en-US" altLang="zh-CN" sz="4000" dirty="0"/>
+              <a:t>Thank you for watching!</a:t>
+            </a:r>
+            <a:br>
+              <a:rPr lang="en-US" altLang="zh-CN" sz="4800" dirty="0"/>
+            </a:br>
+            <a:r>
+              <a:rPr lang="en-US" altLang="zh-CN" sz="1800" b="1" dirty="0">
+                <a:latin typeface="Times New Roman" panose="02020603050405020304" pitchFamily="18" charset="0"/>
+                <a:cs typeface="Times New Roman" panose="02020603050405020304" pitchFamily="18" charset="0"/>
+              </a:rPr>
+              <a:t>The performance of TCP/IP for networks with high bandwidth-delay products and random loss</a:t>
+            </a:r>
+            <a:endParaRPr lang="zh-CN" altLang="en-US" sz="4800" b="1" dirty="0">
+              <a:latin typeface="Times New Roman" panose="02020603050405020304" pitchFamily="18" charset="0"/>
+              <a:cs typeface="Times New Roman" panose="02020603050405020304" pitchFamily="18" charset="0"/>
+            </a:endParaRPr>
+          </a:p>
+        </p:txBody>
+      </p:sp>
+      <p:sp>
+        <p:nvSpPr>
+          <p:cNvPr id="3" name="副标题 2">
+            <a:extLst>
+              <a:ext uri="{FF2B5EF4-FFF2-40B4-BE49-F238E27FC236}">
+                <a16:creationId xmlns:a16="http://schemas.microsoft.com/office/drawing/2014/main" id="{F315F74C-6539-626A-511B-319466841360}"/>
+              </a:ext>
+            </a:extLst>
+          </p:cNvPr>
+          <p:cNvSpPr>
+            <a:spLocks noGrp="1"/>
+          </p:cNvSpPr>
+          <p:nvPr>
+            <p:ph type="subTitle" idx="1"/>
+          </p:nvPr>
+        </p:nvSpPr>
+        <p:spPr>
+          <a:xfrm>
+            <a:off x="1523999" y="3951662"/>
+            <a:ext cx="9144000" cy="1655762"/>
+          </a:xfrm>
+        </p:spPr>
+        <p:txBody>
+          <a:bodyPr>
+            <a:normAutofit/>
+          </a:bodyPr>
+          <a:lstStyle/>
+          <a:p>
+            <a:r>
+              <a:rPr lang="en-US" altLang="zh-CN" sz="1800" dirty="0"/>
+              <a:t>Presenter: Boyang Xiao</a:t>
+            </a:r>
+          </a:p>
+          <a:p>
+            <a:r>
+              <a:rPr lang="en-US" altLang="zh-CN" sz="1800" dirty="0"/>
+              <a:t>USC id: 3326730274</a:t>
+            </a:r>
+          </a:p>
+          <a:p>
+            <a:r>
+              <a:rPr lang="en-US" altLang="zh-CN" sz="1800" dirty="0"/>
+              <a:t>Email: boyangxi@usc.edu</a:t>
+            </a:r>
+            <a:endParaRPr lang="zh-CN" altLang="en-US" sz="1800" dirty="0"/>
+          </a:p>
+        </p:txBody>
+      </p:sp>
+    </p:spTree>
+    <p:extLst>
+      <p:ext uri="{BB962C8B-B14F-4D97-AF65-F5344CB8AC3E}">
+        <p14:creationId xmlns:p14="http://schemas.microsoft.com/office/powerpoint/2010/main" val="273259232"/>
+      </p:ext>
+    </p:extLst>
+  </p:cSld>
+  <p:clrMapOvr>
+    <a:masterClrMapping/>
+  </p:clrMapOvr>
+</p:sld>
+</file>
+
 <file path=ppt/slides/slide2.xml><?xml version="1.0" encoding="utf-8"?>
 <p:sld xmlns:a="http://schemas.openxmlformats.org/drawingml/2006/main" xmlns:r="http://schemas.openxmlformats.org/officeDocument/2006/relationships" xmlns:p="http://schemas.openxmlformats.org/presentationml/2006/main">
   <p:cSld>
@@ -5711,14 +6208,51 @@
               </a:rPr>
               <a:t>independent</a:t>
             </a:r>
-            <a:endParaRPr lang="zh-CN" altLang="en-US" dirty="0">
-              <a:solidFill>
-                <a:srgbClr val="FF0000"/>
-              </a:solidFill>
-            </a:endParaRPr>
-          </a:p>
-        </p:txBody>
-      </p:sp>
+          </a:p>
+          <a:p>
+            <a:r>
+              <a:rPr lang="en-US" altLang="zh-CN" dirty="0"/>
+              <a:t>Throughput under random losses</a:t>
+            </a:r>
+          </a:p>
+        </p:txBody>
+      </p:sp>
+      <p:pic>
+        <p:nvPicPr>
+          <p:cNvPr id="5" name="Picture 4">
+            <a:extLst>
+              <a:ext uri="{FF2B5EF4-FFF2-40B4-BE49-F238E27FC236}">
+                <a16:creationId xmlns:a16="http://schemas.microsoft.com/office/drawing/2014/main" id="{A4D88015-B06D-5078-1169-D50280A15FA6}"/>
+              </a:ext>
+            </a:extLst>
+          </p:cNvPr>
+          <p:cNvPicPr>
+            <a:picLocks noChangeAspect="1"/>
+          </p:cNvPicPr>
+          <p:nvPr/>
+        </p:nvPicPr>
+        <p:blipFill>
+          <a:blip r:embed="rId2">
+            <a:extLst>
+              <a:ext uri="{28A0092B-C50C-407E-A947-70E740481C1C}">
+                <a14:useLocalDpi xmlns:a14="http://schemas.microsoft.com/office/drawing/2010/main" val="0"/>
+              </a:ext>
+            </a:extLst>
+          </a:blip>
+          <a:stretch>
+            <a:fillRect/>
+          </a:stretch>
+        </p:blipFill>
+        <p:spPr>
+          <a:xfrm>
+            <a:off x="2787060" y="3764664"/>
+            <a:ext cx="5448300" cy="1689100"/>
+          </a:xfrm>
+          <a:prstGeom prst="rect">
+            <a:avLst/>
+          </a:prstGeom>
+        </p:spPr>
+      </p:pic>
     </p:spTree>
     <p:extLst>
       <p:ext uri="{BB962C8B-B14F-4D97-AF65-F5344CB8AC3E}">
